--- a/Muhammad Farhan (Laravel).pptx
+++ b/Muhammad Farhan (Laravel).pptx
@@ -314,7 +314,7 @@
           </a:lstStyle>
           <a:p>
             <a:r>
-              <a:rPr lang="en-US" smtClean="0"/>
+              <a:rPr lang="en-US"/>
               <a:t>Click to edit Master title style</a:t>
             </a:r>
             <a:endParaRPr lang="en-US" dirty="0"/>
@@ -434,7 +434,7 @@
           </a:lstStyle>
           <a:p>
             <a:r>
-              <a:rPr lang="en-US" smtClean="0"/>
+              <a:rPr lang="en-US"/>
               <a:t>Click to edit Master subtitle style</a:t>
             </a:r>
             <a:endParaRPr lang="en-US" dirty="0"/>
@@ -474,7 +474,7 @@
             <a:fld id="{5923F103-BC34-4FE4-A40E-EDDEECFDA5D0}" type="datetimeFigureOut">
               <a:rPr lang="en-US" dirty="0"/>
               <a:pPr/>
-              <a:t>11/13/2023</a:t>
+              <a:t>11/18/2023</a:t>
             </a:fld>
             <a:endParaRPr lang="en-US" dirty="0"/>
           </a:p>
@@ -1381,7 +1381,7 @@
           </a:lstStyle>
           <a:p>
             <a:r>
-              <a:rPr lang="en-US" smtClean="0"/>
+              <a:rPr lang="en-US"/>
               <a:t>Click to edit Master title style</a:t>
             </a:r>
             <a:endParaRPr lang="en-US" dirty="0"/>
@@ -1460,7 +1460,7 @@
           </a:lstStyle>
           <a:p>
             <a:r>
-              <a:rPr lang="en-US" smtClean="0"/>
+              <a:rPr lang="en-US"/>
               <a:t>Click icon to add picture</a:t>
             </a:r>
             <a:endParaRPr lang="en-US" dirty="0"/>
@@ -1535,7 +1535,7 @@
           <a:p>
             <a:pPr lvl="0"/>
             <a:r>
-              <a:rPr lang="en-US" smtClean="0"/>
+              <a:rPr lang="en-US"/>
               <a:t>Edit Master text styles</a:t>
             </a:r>
           </a:p>
@@ -1558,7 +1558,7 @@
           <a:p>
             <a:fld id="{923A1CC3-2375-41D4-9E03-427CAF2A4C1A}" type="datetimeFigureOut">
               <a:rPr lang="en-US" dirty="0"/>
-              <a:t>11/13/2023</a:t>
+              <a:t>11/18/2023</a:t>
             </a:fld>
             <a:endParaRPr lang="en-US" dirty="0"/>
           </a:p>
@@ -2443,7 +2443,7 @@
           </a:lstStyle>
           <a:p>
             <a:r>
-              <a:rPr lang="en-US" smtClean="0"/>
+              <a:rPr lang="en-US"/>
               <a:t>Click to edit Master title style</a:t>
             </a:r>
             <a:endParaRPr lang="en-US" dirty="0"/>
@@ -2511,7 +2511,7 @@
           <a:p>
             <a:pPr lvl="0"/>
             <a:r>
-              <a:rPr lang="en-US" smtClean="0"/>
+              <a:rPr lang="en-US"/>
               <a:t>Edit Master text styles</a:t>
             </a:r>
           </a:p>
@@ -2534,7 +2534,7 @@
           <a:p>
             <a:fld id="{AFF16868-8199-4C2C-A5B1-63AEE139F88E}" type="datetimeFigureOut">
               <a:rPr lang="en-US" dirty="0"/>
-              <a:t>11/13/2023</a:t>
+              <a:t>11/18/2023</a:t>
             </a:fld>
             <a:endParaRPr lang="en-US" dirty="0"/>
           </a:p>
@@ -3497,7 +3497,7 @@
           </a:lstStyle>
           <a:p>
             <a:r>
-              <a:rPr lang="en-US" smtClean="0"/>
+              <a:rPr lang="en-US"/>
               <a:t>Click to edit Master title style</a:t>
             </a:r>
             <a:endParaRPr lang="en-US" dirty="0"/>
@@ -3574,7 +3574,7 @@
           <a:p>
             <a:pPr lvl="0"/>
             <a:r>
-              <a:rPr lang="en-US" smtClean="0"/>
+              <a:rPr lang="en-US"/>
               <a:t>Edit Master text styles</a:t>
             </a:r>
           </a:p>
@@ -3641,7 +3641,7 @@
           <a:p>
             <a:pPr lvl="0"/>
             <a:r>
-              <a:rPr lang="en-US" smtClean="0"/>
+              <a:rPr lang="en-US"/>
               <a:t>Edit Master text styles</a:t>
             </a:r>
           </a:p>
@@ -3664,7 +3664,7 @@
           <a:p>
             <a:fld id="{AAD9FF7F-6988-44CC-821B-644E70CD2F73}" type="datetimeFigureOut">
               <a:rPr lang="en-US" dirty="0"/>
-              <a:t>11/13/2023</a:t>
+              <a:t>11/18/2023</a:t>
             </a:fld>
             <a:endParaRPr lang="en-US" dirty="0"/>
           </a:p>
@@ -4549,7 +4549,7 @@
           </a:lstStyle>
           <a:p>
             <a:r>
-              <a:rPr lang="en-US" smtClean="0"/>
+              <a:rPr lang="en-US"/>
               <a:t>Click to edit Master title style</a:t>
             </a:r>
             <a:endParaRPr lang="en-US" dirty="0"/>
@@ -4670,7 +4670,7 @@
           <a:p>
             <a:pPr lvl="0"/>
             <a:r>
-              <a:rPr lang="en-US" smtClean="0"/>
+              <a:rPr lang="en-US"/>
               <a:t>Edit Master text styles</a:t>
             </a:r>
           </a:p>
@@ -4693,7 +4693,7 @@
           <a:p>
             <a:fld id="{5C12C299-16B2-4475-990D-751901EACC14}" type="datetimeFigureOut">
               <a:rPr lang="en-US" dirty="0"/>
-              <a:t>11/13/2023</a:t>
+              <a:t>11/18/2023</a:t>
             </a:fld>
             <a:endParaRPr lang="en-US" dirty="0"/>
           </a:p>
@@ -4828,7 +4828,7 @@
           </a:lstStyle>
           <a:p>
             <a:r>
-              <a:rPr lang="en-US" smtClean="0"/>
+              <a:rPr lang="en-US"/>
               <a:t>Click to edit Master title style</a:t>
             </a:r>
             <a:endParaRPr lang="en-US" dirty="0"/>
@@ -4903,7 +4903,7 @@
           <a:p>
             <a:pPr lvl="0"/>
             <a:r>
-              <a:rPr lang="en-US" smtClean="0"/>
+              <a:rPr lang="en-US"/>
               <a:t>Edit Master text styles</a:t>
             </a:r>
           </a:p>
@@ -4970,7 +4970,7 @@
           <a:p>
             <a:pPr lvl="0"/>
             <a:r>
-              <a:rPr lang="en-US" smtClean="0"/>
+              <a:rPr lang="en-US"/>
               <a:t>Edit Master text styles</a:t>
             </a:r>
           </a:p>
@@ -5044,7 +5044,7 @@
           <a:p>
             <a:pPr lvl="0"/>
             <a:r>
-              <a:rPr lang="en-US" smtClean="0"/>
+              <a:rPr lang="en-US"/>
               <a:t>Edit Master text styles</a:t>
             </a:r>
           </a:p>
@@ -5111,7 +5111,7 @@
           <a:p>
             <a:pPr lvl="0"/>
             <a:r>
-              <a:rPr lang="en-US" smtClean="0"/>
+              <a:rPr lang="en-US"/>
               <a:t>Edit Master text styles</a:t>
             </a:r>
           </a:p>
@@ -5185,7 +5185,7 @@
           <a:p>
             <a:pPr lvl="0"/>
             <a:r>
-              <a:rPr lang="en-US" smtClean="0"/>
+              <a:rPr lang="en-US"/>
               <a:t>Edit Master text styles</a:t>
             </a:r>
           </a:p>
@@ -5252,7 +5252,7 @@
           <a:p>
             <a:pPr lvl="0"/>
             <a:r>
-              <a:rPr lang="en-US" smtClean="0"/>
+              <a:rPr lang="en-US"/>
               <a:t>Edit Master text styles</a:t>
             </a:r>
           </a:p>
@@ -5349,7 +5349,7 @@
           <a:p>
             <a:fld id="{9FE86839-B9D8-4651-8783-F325ECE74E65}" type="datetimeFigureOut">
               <a:rPr lang="en-US" dirty="0"/>
-              <a:t>11/13/2023</a:t>
+              <a:t>11/18/2023</a:t>
             </a:fld>
             <a:endParaRPr lang="en-US" dirty="0"/>
           </a:p>
@@ -5448,7 +5448,7 @@
           </a:lstStyle>
           <a:p>
             <a:r>
-              <a:rPr lang="en-US" smtClean="0"/>
+              <a:rPr lang="en-US"/>
               <a:t>Click to edit Master title style</a:t>
             </a:r>
             <a:endParaRPr lang="en-US" dirty="0"/>
@@ -5523,7 +5523,7 @@
           <a:p>
             <a:pPr lvl="0"/>
             <a:r>
-              <a:rPr lang="en-US" smtClean="0"/>
+              <a:rPr lang="en-US"/>
               <a:t>Edit Master text styles</a:t>
             </a:r>
           </a:p>
@@ -5601,7 +5601,7 @@
           </a:lstStyle>
           <a:p>
             <a:r>
-              <a:rPr lang="en-US" smtClean="0"/>
+              <a:rPr lang="en-US"/>
               <a:t>Click icon to add picture</a:t>
             </a:r>
             <a:endParaRPr lang="en-US" dirty="0"/>
@@ -5669,7 +5669,7 @@
           <a:p>
             <a:pPr lvl="0"/>
             <a:r>
-              <a:rPr lang="en-US" smtClean="0"/>
+              <a:rPr lang="en-US"/>
               <a:t>Edit Master text styles</a:t>
             </a:r>
           </a:p>
@@ -5743,7 +5743,7 @@
           <a:p>
             <a:pPr lvl="0"/>
             <a:r>
-              <a:rPr lang="en-US" smtClean="0"/>
+              <a:rPr lang="en-US"/>
               <a:t>Edit Master text styles</a:t>
             </a:r>
           </a:p>
@@ -5821,7 +5821,7 @@
           </a:lstStyle>
           <a:p>
             <a:r>
-              <a:rPr lang="en-US" smtClean="0"/>
+              <a:rPr lang="en-US"/>
               <a:t>Click icon to add picture</a:t>
             </a:r>
             <a:endParaRPr lang="en-US" dirty="0"/>
@@ -5889,7 +5889,7 @@
           <a:p>
             <a:pPr lvl="0"/>
             <a:r>
-              <a:rPr lang="en-US" smtClean="0"/>
+              <a:rPr lang="en-US"/>
               <a:t>Edit Master text styles</a:t>
             </a:r>
           </a:p>
@@ -5963,7 +5963,7 @@
           <a:p>
             <a:pPr lvl="0"/>
             <a:r>
-              <a:rPr lang="en-US" smtClean="0"/>
+              <a:rPr lang="en-US"/>
               <a:t>Edit Master text styles</a:t>
             </a:r>
           </a:p>
@@ -6041,7 +6041,7 @@
           </a:lstStyle>
           <a:p>
             <a:r>
-              <a:rPr lang="en-US" smtClean="0"/>
+              <a:rPr lang="en-US"/>
               <a:t>Click icon to add picture</a:t>
             </a:r>
             <a:endParaRPr lang="en-US" dirty="0"/>
@@ -6109,7 +6109,7 @@
           <a:p>
             <a:pPr lvl="0"/>
             <a:r>
-              <a:rPr lang="en-US" smtClean="0"/>
+              <a:rPr lang="en-US"/>
               <a:t>Edit Master text styles</a:t>
             </a:r>
           </a:p>
@@ -6206,7 +6206,7 @@
           <a:p>
             <a:fld id="{FD484F64-32F6-45C5-931F-ADC1662401D0}" type="datetimeFigureOut">
               <a:rPr lang="en-US" dirty="0"/>
-              <a:t>11/13/2023</a:t>
+              <a:t>11/18/2023</a:t>
             </a:fld>
             <a:endParaRPr lang="en-US" dirty="0"/>
           </a:p>
@@ -6306,7 +6306,7 @@
           <a:lstStyle/>
           <a:p>
             <a:r>
-              <a:rPr lang="en-US" smtClean="0"/>
+              <a:rPr lang="en-US"/>
               <a:t>Click to edit Master title style</a:t>
             </a:r>
             <a:endParaRPr lang="en-US" dirty="0"/>
@@ -6335,35 +6335,35 @@
           <a:p>
             <a:pPr lvl="0"/>
             <a:r>
-              <a:rPr lang="en-US" smtClean="0"/>
+              <a:rPr lang="en-US"/>
               <a:t>Edit Master text styles</a:t>
             </a:r>
           </a:p>
           <a:p>
             <a:pPr lvl="1"/>
             <a:r>
-              <a:rPr lang="en-US" smtClean="0"/>
+              <a:rPr lang="en-US"/>
               <a:t>Second level</a:t>
             </a:r>
           </a:p>
           <a:p>
             <a:pPr lvl="2"/>
             <a:r>
-              <a:rPr lang="en-US" smtClean="0"/>
+              <a:rPr lang="en-US"/>
               <a:t>Third level</a:t>
             </a:r>
           </a:p>
           <a:p>
             <a:pPr lvl="3"/>
             <a:r>
-              <a:rPr lang="en-US" smtClean="0"/>
+              <a:rPr lang="en-US"/>
               <a:t>Fourth level</a:t>
             </a:r>
           </a:p>
           <a:p>
             <a:pPr lvl="4"/>
             <a:r>
-              <a:rPr lang="en-US" smtClean="0"/>
+              <a:rPr lang="en-US"/>
               <a:t>Fifth level</a:t>
             </a:r>
             <a:endParaRPr lang="en-US" dirty="0"/>
@@ -6392,7 +6392,7 @@
           <a:p>
             <a:fld id="{53086D93-FCAC-47E0-A2EE-787E62CA814C}" type="datetimeFigureOut">
               <a:rPr lang="en-US" dirty="0"/>
-              <a:t>11/13/2023</a:t>
+              <a:t>11/18/2023</a:t>
             </a:fld>
             <a:endParaRPr lang="en-US" dirty="0"/>
           </a:p>
@@ -7274,7 +7274,7 @@
           <a:lstStyle/>
           <a:p>
             <a:r>
-              <a:rPr lang="en-US" smtClean="0"/>
+              <a:rPr lang="en-US"/>
               <a:t>Click to edit Master title style</a:t>
             </a:r>
             <a:endParaRPr lang="en-US" dirty="0"/>
@@ -7303,35 +7303,35 @@
           <a:p>
             <a:pPr lvl="0"/>
             <a:r>
-              <a:rPr lang="en-US" smtClean="0"/>
+              <a:rPr lang="en-US"/>
               <a:t>Edit Master text styles</a:t>
             </a:r>
           </a:p>
           <a:p>
             <a:pPr lvl="1"/>
             <a:r>
-              <a:rPr lang="en-US" smtClean="0"/>
+              <a:rPr lang="en-US"/>
               <a:t>Second level</a:t>
             </a:r>
           </a:p>
           <a:p>
             <a:pPr lvl="2"/>
             <a:r>
-              <a:rPr lang="en-US" smtClean="0"/>
+              <a:rPr lang="en-US"/>
               <a:t>Third level</a:t>
             </a:r>
           </a:p>
           <a:p>
             <a:pPr lvl="3"/>
             <a:r>
-              <a:rPr lang="en-US" smtClean="0"/>
+              <a:rPr lang="en-US"/>
               <a:t>Fourth level</a:t>
             </a:r>
           </a:p>
           <a:p>
             <a:pPr lvl="4"/>
             <a:r>
-              <a:rPr lang="en-US" smtClean="0"/>
+              <a:rPr lang="en-US"/>
               <a:t>Fifth level</a:t>
             </a:r>
             <a:endParaRPr lang="en-US" dirty="0"/>
@@ -7360,7 +7360,7 @@
           <a:p>
             <a:fld id="{CDA879A6-0FD0-4734-A311-86BFCA472E6E}" type="datetimeFigureOut">
               <a:rPr lang="en-US" dirty="0"/>
-              <a:t>11/13/2023</a:t>
+              <a:t>11/18/2023</a:t>
             </a:fld>
             <a:endParaRPr lang="en-US" dirty="0"/>
           </a:p>
@@ -7486,7 +7486,7 @@
           <a:lstStyle/>
           <a:p>
             <a:r>
-              <a:rPr lang="en-US" smtClean="0"/>
+              <a:rPr lang="en-US"/>
               <a:t>Click to edit Master title style</a:t>
             </a:r>
             <a:endParaRPr lang="en-US" dirty="0"/>
@@ -7515,35 +7515,35 @@
           <a:p>
             <a:pPr lvl="0"/>
             <a:r>
-              <a:rPr lang="en-US" smtClean="0"/>
+              <a:rPr lang="en-US"/>
               <a:t>Edit Master text styles</a:t>
             </a:r>
           </a:p>
           <a:p>
             <a:pPr lvl="1"/>
             <a:r>
-              <a:rPr lang="en-US" smtClean="0"/>
+              <a:rPr lang="en-US"/>
               <a:t>Second level</a:t>
             </a:r>
           </a:p>
           <a:p>
             <a:pPr lvl="2"/>
             <a:r>
-              <a:rPr lang="en-US" smtClean="0"/>
+              <a:rPr lang="en-US"/>
               <a:t>Third level</a:t>
             </a:r>
           </a:p>
           <a:p>
             <a:pPr lvl="3"/>
             <a:r>
-              <a:rPr lang="en-US" smtClean="0"/>
+              <a:rPr lang="en-US"/>
               <a:t>Fourth level</a:t>
             </a:r>
           </a:p>
           <a:p>
             <a:pPr lvl="4"/>
             <a:r>
-              <a:rPr lang="en-US" smtClean="0"/>
+              <a:rPr lang="en-US"/>
               <a:t>Fifth level</a:t>
             </a:r>
             <a:endParaRPr lang="en-US" dirty="0"/>
@@ -7567,7 +7567,7 @@
           <a:p>
             <a:fld id="{19C9CA7B-DFD4-44B5-8C60-D14B8CD1FB59}" type="datetimeFigureOut">
               <a:rPr lang="en-US" dirty="0"/>
-              <a:t>11/13/2023</a:t>
+              <a:t>11/18/2023</a:t>
             </a:fld>
             <a:endParaRPr lang="en-US" dirty="0"/>
           </a:p>
@@ -8453,7 +8453,7 @@
           </a:lstStyle>
           <a:p>
             <a:r>
-              <a:rPr lang="en-US" smtClean="0"/>
+              <a:rPr lang="en-US"/>
               <a:t>Click to edit Master title style</a:t>
             </a:r>
             <a:endParaRPr lang="en-US" dirty="0"/>
@@ -8574,7 +8574,7 @@
           <a:p>
             <a:pPr lvl="0"/>
             <a:r>
-              <a:rPr lang="en-US" smtClean="0"/>
+              <a:rPr lang="en-US"/>
               <a:t>Edit Master text styles</a:t>
             </a:r>
           </a:p>
@@ -8597,7 +8597,7 @@
           <a:p>
             <a:fld id="{F34E6425-0181-43F2-84FC-787E803FD2F8}" type="datetimeFigureOut">
               <a:rPr lang="en-US" dirty="0"/>
-              <a:t>11/13/2023</a:t>
+              <a:t>11/18/2023</a:t>
             </a:fld>
             <a:endParaRPr lang="en-US" dirty="0"/>
           </a:p>
@@ -8723,7 +8723,7 @@
           <a:lstStyle/>
           <a:p>
             <a:r>
-              <a:rPr lang="en-US" smtClean="0"/>
+              <a:rPr lang="en-US"/>
               <a:t>Click to edit Master title style</a:t>
             </a:r>
             <a:endParaRPr lang="en-US" dirty="0"/>
@@ -8754,35 +8754,35 @@
           <a:p>
             <a:pPr lvl="0"/>
             <a:r>
-              <a:rPr lang="en-US" smtClean="0"/>
+              <a:rPr lang="en-US"/>
               <a:t>Edit Master text styles</a:t>
             </a:r>
           </a:p>
           <a:p>
             <a:pPr lvl="1"/>
             <a:r>
-              <a:rPr lang="en-US" smtClean="0"/>
+              <a:rPr lang="en-US"/>
               <a:t>Second level</a:t>
             </a:r>
           </a:p>
           <a:p>
             <a:pPr lvl="2"/>
             <a:r>
-              <a:rPr lang="en-US" smtClean="0"/>
+              <a:rPr lang="en-US"/>
               <a:t>Third level</a:t>
             </a:r>
           </a:p>
           <a:p>
             <a:pPr lvl="3"/>
             <a:r>
-              <a:rPr lang="en-US" smtClean="0"/>
+              <a:rPr lang="en-US"/>
               <a:t>Fourth level</a:t>
             </a:r>
           </a:p>
           <a:p>
             <a:pPr lvl="4"/>
             <a:r>
-              <a:rPr lang="en-US" smtClean="0"/>
+              <a:rPr lang="en-US"/>
               <a:t>Fifth level</a:t>
             </a:r>
             <a:endParaRPr lang="en-US" dirty="0"/>
@@ -8813,35 +8813,35 @@
           <a:p>
             <a:pPr lvl="0"/>
             <a:r>
-              <a:rPr lang="en-US" smtClean="0"/>
+              <a:rPr lang="en-US"/>
               <a:t>Edit Master text styles</a:t>
             </a:r>
           </a:p>
           <a:p>
             <a:pPr lvl="1"/>
             <a:r>
-              <a:rPr lang="en-US" smtClean="0"/>
+              <a:rPr lang="en-US"/>
               <a:t>Second level</a:t>
             </a:r>
           </a:p>
           <a:p>
             <a:pPr lvl="2"/>
             <a:r>
-              <a:rPr lang="en-US" smtClean="0"/>
+              <a:rPr lang="en-US"/>
               <a:t>Third level</a:t>
             </a:r>
           </a:p>
           <a:p>
             <a:pPr lvl="3"/>
             <a:r>
-              <a:rPr lang="en-US" smtClean="0"/>
+              <a:rPr lang="en-US"/>
               <a:t>Fourth level</a:t>
             </a:r>
           </a:p>
           <a:p>
             <a:pPr lvl="4"/>
             <a:r>
-              <a:rPr lang="en-US" smtClean="0"/>
+              <a:rPr lang="en-US"/>
               <a:t>Fifth level</a:t>
             </a:r>
             <a:endParaRPr lang="en-US" dirty="0"/>
@@ -8865,7 +8865,7 @@
           <a:p>
             <a:fld id="{3BDB8791-F1B0-41E7-B7FD-A781E65C4266}" type="datetimeFigureOut">
               <a:rPr lang="en-US" dirty="0"/>
-              <a:t>11/13/2023</a:t>
+              <a:t>11/18/2023</a:t>
             </a:fld>
             <a:endParaRPr lang="en-US" dirty="0"/>
           </a:p>
@@ -8959,7 +8959,7 @@
           </a:lstStyle>
           <a:p>
             <a:r>
-              <a:rPr lang="en-US" smtClean="0"/>
+              <a:rPr lang="en-US"/>
               <a:t>Click to edit Master title style</a:t>
             </a:r>
             <a:endParaRPr lang="en-US" dirty="0"/>
@@ -9031,7 +9031,7 @@
           <a:p>
             <a:pPr lvl="0"/>
             <a:r>
-              <a:rPr lang="en-US" smtClean="0"/>
+              <a:rPr lang="en-US"/>
               <a:t>Edit Master text styles</a:t>
             </a:r>
           </a:p>
@@ -9061,35 +9061,35 @@
           <a:p>
             <a:pPr lvl="0"/>
             <a:r>
-              <a:rPr lang="en-US" smtClean="0"/>
+              <a:rPr lang="en-US"/>
               <a:t>Edit Master text styles</a:t>
             </a:r>
           </a:p>
           <a:p>
             <a:pPr lvl="1"/>
             <a:r>
-              <a:rPr lang="en-US" smtClean="0"/>
+              <a:rPr lang="en-US"/>
               <a:t>Second level</a:t>
             </a:r>
           </a:p>
           <a:p>
             <a:pPr lvl="2"/>
             <a:r>
-              <a:rPr lang="en-US" smtClean="0"/>
+              <a:rPr lang="en-US"/>
               <a:t>Third level</a:t>
             </a:r>
           </a:p>
           <a:p>
             <a:pPr lvl="3"/>
             <a:r>
-              <a:rPr lang="en-US" smtClean="0"/>
+              <a:rPr lang="en-US"/>
               <a:t>Fourth level</a:t>
             </a:r>
           </a:p>
           <a:p>
             <a:pPr lvl="4"/>
             <a:r>
-              <a:rPr lang="en-US" smtClean="0"/>
+              <a:rPr lang="en-US"/>
               <a:t>Fifth level</a:t>
             </a:r>
             <a:endParaRPr lang="en-US" dirty="0"/>
@@ -9161,7 +9161,7 @@
           <a:p>
             <a:pPr lvl="0"/>
             <a:r>
-              <a:rPr lang="en-US" smtClean="0"/>
+              <a:rPr lang="en-US"/>
               <a:t>Edit Master text styles</a:t>
             </a:r>
           </a:p>
@@ -9219,35 +9219,35 @@
           <a:p>
             <a:pPr lvl="0"/>
             <a:r>
-              <a:rPr lang="en-US" smtClean="0"/>
+              <a:rPr lang="en-US"/>
               <a:t>Edit Master text styles</a:t>
             </a:r>
           </a:p>
           <a:p>
             <a:pPr lvl="1"/>
             <a:r>
-              <a:rPr lang="en-US" smtClean="0"/>
+              <a:rPr lang="en-US"/>
               <a:t>Second level</a:t>
             </a:r>
           </a:p>
           <a:p>
             <a:pPr lvl="2"/>
             <a:r>
-              <a:rPr lang="en-US" smtClean="0"/>
+              <a:rPr lang="en-US"/>
               <a:t>Third level</a:t>
             </a:r>
           </a:p>
           <a:p>
             <a:pPr lvl="3"/>
             <a:r>
-              <a:rPr lang="en-US" smtClean="0"/>
+              <a:rPr lang="en-US"/>
               <a:t>Fourth level</a:t>
             </a:r>
           </a:p>
           <a:p>
             <a:pPr lvl="4"/>
             <a:r>
-              <a:rPr lang="en-US" smtClean="0"/>
+              <a:rPr lang="en-US"/>
               <a:t>Fifth level</a:t>
             </a:r>
             <a:endParaRPr lang="en-US" dirty="0"/>
@@ -9271,7 +9271,7 @@
           <a:p>
             <a:fld id="{5FDD63B2-E120-4ED8-B27B-C685F510A5FE}" type="datetimeFigureOut">
               <a:rPr lang="en-US" dirty="0"/>
-              <a:t>11/13/2023</a:t>
+              <a:t>11/18/2023</a:t>
             </a:fld>
             <a:endParaRPr lang="en-US" dirty="0"/>
           </a:p>
@@ -9370,7 +9370,7 @@
           </a:lstStyle>
           <a:p>
             <a:r>
-              <a:rPr lang="en-US" smtClean="0"/>
+              <a:rPr lang="en-US"/>
               <a:t>Click to edit Master title style</a:t>
             </a:r>
             <a:endParaRPr lang="en-US" dirty="0"/>
@@ -9394,7 +9394,7 @@
           <a:p>
             <a:fld id="{7AA18ACC-A947-437B-A130-35BD54FDF1E9}" type="datetimeFigureOut">
               <a:rPr lang="en-US" dirty="0"/>
-              <a:t>11/13/2023</a:t>
+              <a:t>11/18/2023</a:t>
             </a:fld>
             <a:endParaRPr lang="en-US" dirty="0"/>
           </a:p>
@@ -9485,7 +9485,7 @@
           <a:p>
             <a:fld id="{7C8D7E02-BCB8-4D50-A234-369438C08659}" type="datetimeFigureOut">
               <a:rPr lang="en-US" dirty="0"/>
-              <a:t>11/13/2023</a:t>
+              <a:t>11/18/2023</a:t>
             </a:fld>
             <a:endParaRPr lang="en-US" dirty="0"/>
           </a:p>
@@ -10407,7 +10407,7 @@
           </a:lstStyle>
           <a:p>
             <a:r>
-              <a:rPr lang="en-US" smtClean="0"/>
+              <a:rPr lang="en-US"/>
               <a:t>Click to edit Master title style</a:t>
             </a:r>
             <a:endParaRPr lang="en-US" dirty="0"/>
@@ -10438,35 +10438,35 @@
           <a:p>
             <a:pPr lvl="0"/>
             <a:r>
-              <a:rPr lang="en-US" smtClean="0"/>
+              <a:rPr lang="en-US"/>
               <a:t>Edit Master text styles</a:t>
             </a:r>
           </a:p>
           <a:p>
             <a:pPr lvl="1"/>
             <a:r>
-              <a:rPr lang="en-US" smtClean="0"/>
+              <a:rPr lang="en-US"/>
               <a:t>Second level</a:t>
             </a:r>
           </a:p>
           <a:p>
             <a:pPr lvl="2"/>
             <a:r>
-              <a:rPr lang="en-US" smtClean="0"/>
+              <a:rPr lang="en-US"/>
               <a:t>Third level</a:t>
             </a:r>
           </a:p>
           <a:p>
             <a:pPr lvl="3"/>
             <a:r>
-              <a:rPr lang="en-US" smtClean="0"/>
+              <a:rPr lang="en-US"/>
               <a:t>Fourth level</a:t>
             </a:r>
           </a:p>
           <a:p>
             <a:pPr lvl="4"/>
             <a:r>
-              <a:rPr lang="en-US" smtClean="0"/>
+              <a:rPr lang="en-US"/>
               <a:t>Fifth level</a:t>
             </a:r>
             <a:endParaRPr lang="en-US" dirty="0"/>
@@ -10539,7 +10539,7 @@
           <a:p>
             <a:pPr lvl="0"/>
             <a:r>
-              <a:rPr lang="en-US" smtClean="0"/>
+              <a:rPr lang="en-US"/>
               <a:t>Edit Master text styles</a:t>
             </a:r>
           </a:p>
@@ -10562,7 +10562,7 @@
           <a:p>
             <a:fld id="{76E86A4C-8E40-4F87-A4F0-01A0687C5742}" type="datetimeFigureOut">
               <a:rPr lang="en-US" dirty="0"/>
-              <a:t>11/13/2023</a:t>
+              <a:t>11/18/2023</a:t>
             </a:fld>
             <a:endParaRPr lang="en-US" dirty="0"/>
           </a:p>
@@ -11486,7 +11486,7 @@
           </a:lstStyle>
           <a:p>
             <a:r>
-              <a:rPr lang="en-US" smtClean="0"/>
+              <a:rPr lang="en-US"/>
               <a:t>Click to edit Master title style</a:t>
             </a:r>
             <a:endParaRPr lang="en-US" dirty="0"/>
@@ -11568,7 +11568,7 @@
               <a:buNone/>
             </a:pPr>
             <a:r>
-              <a:rPr lang="en-US" smtClean="0"/>
+              <a:rPr lang="en-US"/>
               <a:t>Click icon to add picture</a:t>
             </a:r>
             <a:endParaRPr lang="en-US" dirty="0"/>
@@ -11643,7 +11643,7 @@
           <a:p>
             <a:pPr lvl="0"/>
             <a:r>
-              <a:rPr lang="en-US" smtClean="0"/>
+              <a:rPr lang="en-US"/>
               <a:t>Edit Master text styles</a:t>
             </a:r>
           </a:p>
@@ -11666,7 +11666,7 @@
           <a:p>
             <a:fld id="{35E72C73-2D91-4E12-BA25-F0AA0C03599B}" type="datetimeFigureOut">
               <a:rPr lang="en-US" dirty="0"/>
-              <a:t>11/13/2023</a:t>
+              <a:t>11/18/2023</a:t>
             </a:fld>
             <a:endParaRPr lang="en-US" dirty="0"/>
           </a:p>
@@ -12557,7 +12557,7 @@
           <a:lstStyle/>
           <a:p>
             <a:r>
-              <a:rPr lang="en-US" smtClean="0"/>
+              <a:rPr lang="en-US"/>
               <a:t>Click to edit Master title style</a:t>
             </a:r>
             <a:endParaRPr lang="en-US" dirty="0"/>
@@ -12591,35 +12591,35 @@
           <a:p>
             <a:pPr lvl="0"/>
             <a:r>
-              <a:rPr lang="en-US" smtClean="0"/>
+              <a:rPr lang="en-US"/>
               <a:t>Edit Master text styles</a:t>
             </a:r>
           </a:p>
           <a:p>
             <a:pPr lvl="1"/>
             <a:r>
-              <a:rPr lang="en-US" smtClean="0"/>
+              <a:rPr lang="en-US"/>
               <a:t>Second level</a:t>
             </a:r>
           </a:p>
           <a:p>
             <a:pPr lvl="2"/>
             <a:r>
-              <a:rPr lang="en-US" smtClean="0"/>
+              <a:rPr lang="en-US"/>
               <a:t>Third level</a:t>
             </a:r>
           </a:p>
           <a:p>
             <a:pPr lvl="3"/>
             <a:r>
-              <a:rPr lang="en-US" smtClean="0"/>
+              <a:rPr lang="en-US"/>
               <a:t>Fourth level</a:t>
             </a:r>
           </a:p>
           <a:p>
             <a:pPr lvl="4"/>
             <a:r>
-              <a:rPr lang="en-US" smtClean="0"/>
+              <a:rPr lang="en-US"/>
               <a:t>Fifth level</a:t>
             </a:r>
             <a:endParaRPr lang="en-US" dirty="0"/>
@@ -12659,7 +12659,7 @@
           <a:p>
             <a:fld id="{2BE451C3-0FF4-47C4-B829-773ADF60F88C}" type="datetimeFigureOut">
               <a:rPr lang="en-US" dirty="0"/>
-              <a:t>11/13/2023</a:t>
+              <a:t>11/18/2023</a:t>
             </a:fld>
             <a:endParaRPr lang="en-US" dirty="0"/>
           </a:p>
@@ -13266,12 +13266,8 @@
           <a:lstStyle/>
           <a:p>
             <a:r>
-              <a:rPr lang="en-US" b="1" dirty="0" smtClean="0"/>
-              <a:t>Full </a:t>
-            </a:r>
-            <a:r>
               <a:rPr lang="en-US" b="1" dirty="0"/>
-              <a:t>Stack Web Developer</a:t>
+              <a:t>Full Stack Web Developer</a:t>
             </a:r>
           </a:p>
           <a:p>
@@ -13354,10 +13350,9 @@
           <a:lstStyle/>
           <a:p>
             <a:r>
-              <a:rPr lang="en-US" b="1" dirty="0" smtClean="0"/>
+              <a:rPr lang="en-US" b="1" dirty="0"/>
               <a:t>Blade Templates</a:t>
             </a:r>
-            <a:endParaRPr lang="en-US" b="1" dirty="0"/>
           </a:p>
         </p:txBody>
       </p:sp>
@@ -13382,7 +13377,7 @@
               </a:lnSpc>
             </a:pPr>
             <a:r>
-              <a:rPr lang="en-US" dirty="0" smtClean="0"/>
+              <a:rPr lang="en-US" dirty="0"/>
               <a:t>What is blade template</a:t>
             </a:r>
           </a:p>
@@ -13393,7 +13388,7 @@
               </a:lnSpc>
             </a:pPr>
             <a:r>
-              <a:rPr lang="en-US" dirty="0" smtClean="0"/>
+              <a:rPr lang="en-US" dirty="0"/>
               <a:t>How to evaluate expressions</a:t>
             </a:r>
           </a:p>
@@ -13404,7 +13399,7 @@
               </a:lnSpc>
             </a:pPr>
             <a:r>
-              <a:rPr lang="en-US" dirty="0" smtClean="0"/>
+              <a:rPr lang="en-US" dirty="0"/>
               <a:t>Work with conditions</a:t>
             </a:r>
           </a:p>
@@ -13415,7 +13410,7 @@
               </a:lnSpc>
             </a:pPr>
             <a:r>
-              <a:rPr lang="en-US" dirty="0" smtClean="0"/>
+              <a:rPr lang="en-US" dirty="0"/>
               <a:t>Loops </a:t>
             </a:r>
           </a:p>
@@ -13426,10 +13421,9 @@
               </a:lnSpc>
             </a:pPr>
             <a:r>
-              <a:rPr lang="en-US" dirty="0" smtClean="0"/>
+              <a:rPr lang="en-US" dirty="0"/>
               <a:t>Integration with Java Script</a:t>
             </a:r>
-            <a:endParaRPr lang="en-US" dirty="0"/>
           </a:p>
         </p:txBody>
       </p:sp>
@@ -13479,10 +13473,9 @@
           <a:lstStyle/>
           <a:p>
             <a:r>
-              <a:rPr lang="en-US" b="1" dirty="0" smtClean="0"/>
+              <a:rPr lang="en-US" b="1" dirty="0"/>
               <a:t>Middleware</a:t>
             </a:r>
-            <a:endParaRPr lang="en-US" b="1" dirty="0"/>
           </a:p>
         </p:txBody>
       </p:sp>
@@ -13507,7 +13500,7 @@
               </a:lnSpc>
             </a:pPr>
             <a:r>
-              <a:rPr lang="en-US" dirty="0" smtClean="0"/>
+              <a:rPr lang="en-US" dirty="0"/>
               <a:t>What is middleware and how to use</a:t>
             </a:r>
           </a:p>
@@ -13518,15 +13511,15 @@
               </a:lnSpc>
             </a:pPr>
             <a:r>
-              <a:rPr lang="en-US" dirty="0" smtClean="0"/>
+              <a:rPr lang="en-US" dirty="0"/>
               <a:t>App\Http\</a:t>
             </a:r>
             <a:r>
-              <a:rPr lang="en-US" dirty="0" err="1" smtClean="0"/>
+              <a:rPr lang="en-US" dirty="0" err="1"/>
               <a:t>Kernal.php</a:t>
             </a:r>
             <a:r>
-              <a:rPr lang="en-US" dirty="0" smtClean="0"/>
+              <a:rPr lang="en-US" dirty="0"/>
               <a:t> </a:t>
             </a:r>
           </a:p>
@@ -13537,7 +13530,7 @@
               </a:lnSpc>
             </a:pPr>
             <a:r>
-              <a:rPr lang="en-US" dirty="0" smtClean="0"/>
+              <a:rPr lang="en-US" dirty="0"/>
               <a:t>Types of middleware</a:t>
             </a:r>
           </a:p>
@@ -13548,7 +13541,7 @@
               </a:lnSpc>
             </a:pPr>
             <a:r>
-              <a:rPr lang="en-US" dirty="0" smtClean="0"/>
+              <a:rPr lang="en-US" dirty="0"/>
               <a:t>Global middleware</a:t>
             </a:r>
           </a:p>
@@ -13559,7 +13552,7 @@
               </a:lnSpc>
             </a:pPr>
             <a:r>
-              <a:rPr lang="en-US" dirty="0" smtClean="0"/>
+              <a:rPr lang="en-US" dirty="0"/>
               <a:t>Group middleware</a:t>
             </a:r>
           </a:p>
@@ -13570,7 +13563,7 @@
               </a:lnSpc>
             </a:pPr>
             <a:r>
-              <a:rPr lang="en-US" dirty="0" smtClean="0"/>
+              <a:rPr lang="en-US" dirty="0"/>
               <a:t>Route middleware</a:t>
             </a:r>
           </a:p>
@@ -13622,10 +13615,9 @@
           <a:lstStyle/>
           <a:p>
             <a:r>
-              <a:rPr lang="en-US" b="1" dirty="0" smtClean="0"/>
+              <a:rPr lang="en-US" b="1" dirty="0"/>
               <a:t>Database Connection</a:t>
             </a:r>
-            <a:endParaRPr lang="en-US" b="1" dirty="0"/>
           </a:p>
         </p:txBody>
       </p:sp>
@@ -13645,13 +13637,13 @@
           <a:lstStyle/>
           <a:p>
             <a:r>
-              <a:rPr lang="en-US" dirty="0" smtClean="0"/>
+              <a:rPr lang="en-US" dirty="0"/>
               <a:t>DB configuration</a:t>
             </a:r>
           </a:p>
           <a:p>
             <a:r>
-              <a:rPr lang="en-US" dirty="0" smtClean="0"/>
+              <a:rPr lang="en-US" dirty="0"/>
               <a:t>Manipulate data </a:t>
             </a:r>
           </a:p>
@@ -13706,10 +13698,9 @@
           <a:lstStyle/>
           <a:p>
             <a:r>
-              <a:rPr lang="en-US" b="1" dirty="0" smtClean="0"/>
+              <a:rPr lang="en-US" b="1" dirty="0"/>
               <a:t>Model</a:t>
             </a:r>
-            <a:endParaRPr lang="en-US" b="1" dirty="0"/>
           </a:p>
         </p:txBody>
       </p:sp>
@@ -13734,7 +13725,7 @@
               </a:lnSpc>
             </a:pPr>
             <a:r>
-              <a:rPr lang="en-US" dirty="0" smtClean="0"/>
+              <a:rPr lang="en-US" dirty="0"/>
               <a:t>How model works</a:t>
             </a:r>
           </a:p>
@@ -13745,7 +13736,7 @@
               </a:lnSpc>
             </a:pPr>
             <a:r>
-              <a:rPr lang="en-US" dirty="0" smtClean="0"/>
+              <a:rPr lang="en-US" dirty="0"/>
               <a:t>Create model </a:t>
             </a:r>
           </a:p>
@@ -13756,7 +13747,7 @@
               </a:lnSpc>
             </a:pPr>
             <a:r>
-              <a:rPr lang="en-US" dirty="0" smtClean="0"/>
+              <a:rPr lang="en-US" dirty="0"/>
               <a:t>Use with controller</a:t>
             </a:r>
           </a:p>
@@ -13811,18 +13802,9 @@
           <a:lstStyle/>
           <a:p>
             <a:r>
-              <a:rPr lang="en-US" b="1" dirty="0" smtClean="0"/>
-              <a:t>Sessions/ </a:t>
-            </a:r>
-            <a:r>
               <a:rPr lang="en-US" b="1" dirty="0"/>
-              <a:t>Flash </a:t>
-            </a:r>
-            <a:r>
-              <a:rPr lang="en-US" b="1" dirty="0" smtClean="0"/>
-              <a:t>Sessions</a:t>
-            </a:r>
-            <a:endParaRPr lang="en-US" b="1" dirty="0"/>
+              <a:t>Sessions/ Flash Sessions</a:t>
+            </a:r>
           </a:p>
         </p:txBody>
       </p:sp>
@@ -13847,7 +13829,7 @@
               </a:lnSpc>
             </a:pPr>
             <a:r>
-              <a:rPr lang="en-US" dirty="0" smtClean="0"/>
+              <a:rPr lang="en-US" dirty="0"/>
               <a:t>What is session</a:t>
             </a:r>
           </a:p>
@@ -13858,7 +13840,7 @@
               </a:lnSpc>
             </a:pPr>
             <a:r>
-              <a:rPr lang="en-US" dirty="0" smtClean="0"/>
+              <a:rPr lang="en-US" dirty="0"/>
               <a:t>Store data in session</a:t>
             </a:r>
           </a:p>
@@ -13869,7 +13851,7 @@
               </a:lnSpc>
             </a:pPr>
             <a:r>
-              <a:rPr lang="en-US" dirty="0" smtClean="0"/>
+              <a:rPr lang="en-US" dirty="0"/>
               <a:t>Get data from session</a:t>
             </a:r>
           </a:p>
@@ -13880,12 +13862,12 @@
               </a:lnSpc>
             </a:pPr>
             <a:r>
-              <a:rPr lang="en-US" dirty="0" smtClean="0"/>
+              <a:rPr lang="en-US" dirty="0"/>
               <a:t>Delete data in session</a:t>
             </a:r>
           </a:p>
           <a:p>
-            <a:endParaRPr lang="en-US" dirty="0" smtClean="0"/>
+            <a:endParaRPr lang="en-US" dirty="0"/>
           </a:p>
         </p:txBody>
       </p:sp>
@@ -13935,10 +13917,9 @@
           <a:lstStyle/>
           <a:p>
             <a:r>
-              <a:rPr lang="en-US" b="1" dirty="0" smtClean="0"/>
+              <a:rPr lang="en-US" b="1" dirty="0"/>
               <a:t>Form Handling</a:t>
             </a:r>
-            <a:endParaRPr lang="en-US" b="1" dirty="0"/>
           </a:p>
         </p:txBody>
       </p:sp>
@@ -13968,15 +13949,15 @@
               </a:lnSpc>
             </a:pPr>
             <a:r>
-              <a:rPr lang="en-US" dirty="0" smtClean="0"/>
+              <a:rPr lang="en-US" dirty="0"/>
               <a:t>We can use </a:t>
             </a:r>
             <a:r>
-              <a:rPr lang="en-US" dirty="0" err="1" smtClean="0"/>
+              <a:rPr lang="en-US" dirty="0" err="1"/>
               <a:t>Laravel</a:t>
             </a:r>
             <a:r>
-              <a:rPr lang="en-US" dirty="0" smtClean="0"/>
+              <a:rPr lang="en-US" dirty="0"/>
               <a:t> form as well as HTML form</a:t>
             </a:r>
           </a:p>
@@ -13987,7 +13968,7 @@
               </a:lnSpc>
             </a:pPr>
             <a:r>
-              <a:rPr lang="en-US" dirty="0" smtClean="0"/>
+              <a:rPr lang="en-US" dirty="0"/>
               <a:t>Input types with form</a:t>
             </a:r>
           </a:p>
@@ -13998,7 +13979,7 @@
               </a:lnSpc>
             </a:pPr>
             <a:r>
-              <a:rPr lang="en-US" dirty="0" smtClean="0"/>
+              <a:rPr lang="en-US" dirty="0"/>
               <a:t>Send data to controller</a:t>
             </a:r>
           </a:p>
@@ -14009,7 +13990,7 @@
               </a:lnSpc>
             </a:pPr>
             <a:r>
-              <a:rPr lang="en-US" dirty="0" smtClean="0"/>
+              <a:rPr lang="en-US" dirty="0"/>
               <a:t>Validate form values</a:t>
             </a:r>
           </a:p>
@@ -14064,10 +14045,9 @@
           <a:lstStyle/>
           <a:p>
             <a:r>
-              <a:rPr lang="en-US" b="1" dirty="0" smtClean="0"/>
+              <a:rPr lang="en-US" b="1" dirty="0"/>
               <a:t>File Handling</a:t>
             </a:r>
-            <a:endParaRPr lang="en-US" b="1" dirty="0"/>
           </a:p>
         </p:txBody>
       </p:sp>
@@ -14099,11 +14079,7 @@
           <a:p>
             <a:r>
               <a:rPr lang="en-US" dirty="0"/>
-              <a:t>$file = $request-&gt;file('image</a:t>
-            </a:r>
-            <a:r>
-              <a:rPr lang="en-US" dirty="0" smtClean="0"/>
-              <a:t>');</a:t>
+              <a:t>$file = $request-&gt;file('image');</a:t>
             </a:r>
           </a:p>
           <a:p>
@@ -14116,7 +14092,7 @@
               <a:t>getClientOriginalName</a:t>
             </a:r>
             <a:r>
-              <a:rPr lang="en-US" dirty="0" smtClean="0"/>
+              <a:rPr lang="en-US" dirty="0"/>
               <a:t>();</a:t>
             </a:r>
           </a:p>
@@ -14130,7 +14106,7 @@
               <a:t>getClientOriginalExtension</a:t>
             </a:r>
             <a:r>
-              <a:rPr lang="en-US" dirty="0" smtClean="0"/>
+              <a:rPr lang="en-US" dirty="0"/>
               <a:t>();</a:t>
             </a:r>
           </a:p>
@@ -14144,7 +14120,7 @@
               <a:t>getRealPath</a:t>
             </a:r>
             <a:r>
-              <a:rPr lang="en-US" dirty="0" smtClean="0"/>
+              <a:rPr lang="en-US" dirty="0"/>
               <a:t>();</a:t>
             </a:r>
           </a:p>
@@ -14158,7 +14134,7 @@
               <a:t>getSize</a:t>
             </a:r>
             <a:r>
-              <a:rPr lang="en-US" dirty="0" smtClean="0"/>
+              <a:rPr lang="en-US" dirty="0"/>
               <a:t>();</a:t>
             </a:r>
           </a:p>
@@ -14172,10 +14148,9 @@
               <a:t>getMimeType</a:t>
             </a:r>
             <a:r>
-              <a:rPr lang="en-US" dirty="0" smtClean="0"/>
+              <a:rPr lang="en-US" dirty="0"/>
               <a:t>();</a:t>
             </a:r>
-            <a:endParaRPr lang="en-US" dirty="0"/>
           </a:p>
           <a:p>
             <a:r>
@@ -14195,7 +14170,7 @@
               <a:t>getClientOriginalName</a:t>
             </a:r>
             <a:r>
-              <a:rPr lang="en-US" dirty="0" smtClean="0"/>
+              <a:rPr lang="en-US" dirty="0"/>
               <a:t>());</a:t>
             </a:r>
           </a:p>
@@ -14205,22 +14180,13 @@
               <a:t>$</a:t>
             </a:r>
             <a:r>
-              <a:rPr lang="en-US" dirty="0" err="1" smtClean="0"/>
+              <a:rPr lang="en-US" dirty="0" err="1"/>
               <a:t>req</a:t>
             </a:r>
             <a:r>
-              <a:rPr lang="en-US" dirty="0" smtClean="0"/>
-              <a:t>-&gt;file</a:t>
-            </a:r>
-            <a:r>
-              <a:rPr lang="en-US" dirty="0"/>
-              <a:t>('image')-&gt;store('folder</a:t>
-            </a:r>
-            <a:r>
-              <a:rPr lang="en-US" dirty="0" smtClean="0"/>
-              <a:t>');</a:t>
-            </a:r>
-            <a:endParaRPr lang="en-US" dirty="0"/>
+              <a:rPr lang="en-US" dirty="0"/>
+              <a:t>-&gt;file('image')-&gt;store('folder');</a:t>
+            </a:r>
           </a:p>
           <a:p>
             <a:endParaRPr lang="en-US" dirty="0"/>
@@ -14273,10 +14239,9 @@
           <a:lstStyle/>
           <a:p>
             <a:r>
-              <a:rPr lang="en-US" b="1" dirty="0" smtClean="0"/>
+              <a:rPr lang="en-US" b="1" dirty="0"/>
               <a:t>CRUD Operations</a:t>
             </a:r>
-            <a:endParaRPr lang="en-US" b="1" dirty="0"/>
           </a:p>
         </p:txBody>
       </p:sp>
@@ -14301,15 +14266,15 @@
               </a:lnSpc>
             </a:pPr>
             <a:r>
-              <a:rPr lang="en-US" dirty="0" smtClean="0"/>
+              <a:rPr lang="en-US" dirty="0"/>
               <a:t>DB::table(‘</a:t>
             </a:r>
             <a:r>
-              <a:rPr lang="en-US" dirty="0" err="1" smtClean="0"/>
+              <a:rPr lang="en-US" dirty="0" err="1"/>
               <a:t>table_name</a:t>
             </a:r>
             <a:r>
-              <a:rPr lang="en-US" dirty="0" smtClean="0"/>
+              <a:rPr lang="en-US" dirty="0"/>
               <a:t>’)-&gt;get();</a:t>
             </a:r>
           </a:p>
@@ -14320,12 +14285,8 @@
               </a:lnSpc>
             </a:pPr>
             <a:r>
-              <a:rPr lang="en-US" dirty="0" smtClean="0"/>
-              <a:t>DB</a:t>
-            </a:r>
-            <a:r>
-              <a:rPr lang="en-US" dirty="0"/>
-              <a:t>:</a:t>
+              <a:rPr lang="en-US" dirty="0"/>
+              <a:t>DB:</a:t>
             </a:r>
             <a:r>
               <a:rPr lang="en-US" dirty="0">
@@ -14395,9 +14356,6 @@
               </a:rPr>
               <a:t>’)-&gt;delete()-&gt;where(condition); </a:t>
             </a:r>
-            <a:endParaRPr lang="en-US" dirty="0" smtClean="0">
-              <a:sym typeface="Wingdings" panose="05000000000000000000" pitchFamily="2" charset="2"/>
-            </a:endParaRPr>
           </a:p>
           <a:p>
             <a:pPr>
@@ -14406,7 +14364,7 @@
               </a:lnSpc>
             </a:pPr>
             <a:r>
-              <a:rPr lang="en-US" dirty="0" smtClean="0">
+              <a:rPr lang="en-US" dirty="0">
                 <a:sym typeface="Wingdings" panose="05000000000000000000" pitchFamily="2" charset="2"/>
               </a:rPr>
               <a:t>Aggregate Functions</a:t>
@@ -14419,19 +14377,19 @@
               </a:lnSpc>
             </a:pPr>
             <a:r>
-              <a:rPr lang="en-US" dirty="0" smtClean="0">
+              <a:rPr lang="en-US" dirty="0">
                 <a:sym typeface="Wingdings" panose="05000000000000000000" pitchFamily="2" charset="2"/>
               </a:rPr>
               <a:t>Sum()/</a:t>
             </a:r>
             <a:r>
-              <a:rPr lang="en-US" dirty="0" err="1" smtClean="0">
+              <a:rPr lang="en-US" dirty="0" err="1">
                 <a:sym typeface="Wingdings" panose="05000000000000000000" pitchFamily="2" charset="2"/>
               </a:rPr>
               <a:t>Avg</a:t>
             </a:r>
             <a:r>
-              <a:rPr lang="en-US" dirty="0" smtClean="0">
+              <a:rPr lang="en-US" dirty="0">
                 <a:sym typeface="Wingdings" panose="05000000000000000000" pitchFamily="2" charset="2"/>
               </a:rPr>
               <a:t>()/Min()/Max()</a:t>
@@ -14489,10 +14447,9 @@
           <a:lstStyle/>
           <a:p>
             <a:r>
-              <a:rPr lang="en-US" b="1" dirty="0" smtClean="0"/>
+              <a:rPr lang="en-US" b="1" dirty="0"/>
               <a:t>Pagination</a:t>
             </a:r>
-            <a:endParaRPr lang="en-US" b="1" dirty="0"/>
           </a:p>
         </p:txBody>
       </p:sp>
@@ -14517,7 +14474,7 @@
               </a:lnSpc>
             </a:pPr>
             <a:r>
-              <a:rPr lang="en-US" dirty="0" smtClean="0"/>
+              <a:rPr lang="en-US" dirty="0"/>
               <a:t>How pagination works</a:t>
             </a:r>
           </a:p>
@@ -14528,7 +14485,7 @@
               </a:lnSpc>
             </a:pPr>
             <a:r>
-              <a:rPr lang="en-US" dirty="0" smtClean="0"/>
+              <a:rPr lang="en-US" dirty="0"/>
               <a:t>Fetch records and pass to view</a:t>
             </a:r>
           </a:p>
@@ -14539,10 +14496,9 @@
               </a:lnSpc>
             </a:pPr>
             <a:r>
-              <a:rPr lang="en-US" dirty="0" smtClean="0"/>
+              <a:rPr lang="en-US" dirty="0"/>
               <a:t>Manipulate data with html table</a:t>
             </a:r>
-            <a:endParaRPr lang="en-US" dirty="0"/>
           </a:p>
         </p:txBody>
       </p:sp>
@@ -14592,11 +14548,11 @@
           <a:lstStyle/>
           <a:p>
             <a:r>
-              <a:rPr lang="en-US" b="1" dirty="0" smtClean="0"/>
+              <a:rPr lang="en-US" b="1" dirty="0"/>
               <a:t>More About </a:t>
             </a:r>
             <a:r>
-              <a:rPr lang="en-US" b="1" dirty="0" err="1" smtClean="0"/>
+              <a:rPr lang="en-US" b="1" dirty="0" err="1"/>
               <a:t>Quries</a:t>
             </a:r>
             <a:endParaRPr lang="en-US" b="1" dirty="0"/>
@@ -14619,19 +14575,19 @@
           <a:lstStyle/>
           <a:p>
             <a:r>
-              <a:rPr lang="en-US" dirty="0" smtClean="0"/>
+              <a:rPr lang="en-US" dirty="0"/>
               <a:t>JOIN’s</a:t>
             </a:r>
           </a:p>
           <a:p>
             <a:r>
-              <a:rPr lang="en-US" dirty="0" smtClean="0"/>
+              <a:rPr lang="en-US" dirty="0"/>
               <a:t>Group By</a:t>
             </a:r>
           </a:p>
           <a:p>
             <a:r>
-              <a:rPr lang="en-US" dirty="0" smtClean="0"/>
+              <a:rPr lang="en-US" dirty="0"/>
               <a:t>Order By</a:t>
             </a:r>
           </a:p>
@@ -14683,18 +14639,17 @@
           <a:lstStyle/>
           <a:p>
             <a:r>
-              <a:rPr lang="en-US" b="1" dirty="0" smtClean="0"/>
+              <a:rPr lang="en-US" b="1" dirty="0"/>
               <a:t>Why </a:t>
             </a:r>
             <a:r>
-              <a:rPr lang="en-US" b="1" dirty="0" err="1" smtClean="0"/>
+              <a:rPr lang="en-US" b="1" dirty="0" err="1"/>
               <a:t>Laravel</a:t>
             </a:r>
             <a:r>
-              <a:rPr lang="en-US" b="1" dirty="0" smtClean="0"/>
+              <a:rPr lang="en-US" b="1" dirty="0"/>
               <a:t> ?</a:t>
             </a:r>
-            <a:endParaRPr lang="en-US" b="1" dirty="0"/>
           </a:p>
         </p:txBody>
       </p:sp>
@@ -14719,43 +14674,35 @@
           <a:lstStyle/>
           <a:p>
             <a:r>
-              <a:rPr lang="en-US" dirty="0" err="1" smtClean="0"/>
+              <a:rPr lang="en-US" dirty="0" err="1"/>
               <a:t>Laravel</a:t>
             </a:r>
             <a:r>
-              <a:rPr lang="en-US" dirty="0" smtClean="0"/>
-              <a:t> </a:t>
-            </a:r>
-            <a:r>
-              <a:rPr lang="en-US" dirty="0"/>
-              <a:t>is a web application framework with expressive, elegant syntax</a:t>
-            </a:r>
-            <a:r>
-              <a:rPr lang="en-US" dirty="0" smtClean="0"/>
-              <a:t>.</a:t>
-            </a:r>
-          </a:p>
-          <a:p>
-            <a:r>
-              <a:rPr lang="en-US" dirty="0" smtClean="0"/>
+              <a:rPr lang="en-US" dirty="0"/>
+              <a:t> is a web application framework with expressive, elegant syntax.</a:t>
+            </a:r>
+          </a:p>
+          <a:p>
+            <a:r>
+              <a:rPr lang="en-US" dirty="0"/>
               <a:t>Used for web apps and web API’s</a:t>
             </a:r>
           </a:p>
           <a:p>
             <a:r>
-              <a:rPr lang="en-US" dirty="0" smtClean="0"/>
+              <a:rPr lang="en-US" dirty="0"/>
               <a:t>Provide MVC Pattern ( Model / View / Controller )</a:t>
             </a:r>
           </a:p>
           <a:p>
             <a:r>
-              <a:rPr lang="en-US" dirty="0" smtClean="0"/>
+              <a:rPr lang="en-US" dirty="0"/>
               <a:t>Built in features and functions make it easy to use and learn</a:t>
             </a:r>
           </a:p>
           <a:p>
             <a:r>
-              <a:rPr lang="en-US" dirty="0" smtClean="0"/>
+              <a:rPr lang="en-US" dirty="0"/>
               <a:t>Well maintained documentation and huge support community</a:t>
             </a:r>
           </a:p>
@@ -14810,10 +14757,9 @@
           <a:lstStyle/>
           <a:p>
             <a:r>
-              <a:rPr lang="en-US" b="1" dirty="0" smtClean="0"/>
+              <a:rPr lang="en-US" b="1" dirty="0"/>
               <a:t>Migrations</a:t>
             </a:r>
-            <a:endParaRPr lang="en-US" b="1" dirty="0"/>
           </a:p>
         </p:txBody>
       </p:sp>
@@ -14838,7 +14784,7 @@
               </a:lnSpc>
             </a:pPr>
             <a:r>
-              <a:rPr lang="en-US" dirty="0" smtClean="0"/>
+              <a:rPr lang="en-US" dirty="0"/>
               <a:t>What migration is ?</a:t>
             </a:r>
           </a:p>
@@ -14849,7 +14795,7 @@
               </a:lnSpc>
             </a:pPr>
             <a:r>
-              <a:rPr lang="en-US" dirty="0" smtClean="0"/>
+              <a:rPr lang="en-US" dirty="0"/>
               <a:t>Make tables with migrations</a:t>
             </a:r>
           </a:p>
@@ -14860,7 +14806,7 @@
               </a:lnSpc>
             </a:pPr>
             <a:r>
-              <a:rPr lang="en-US" dirty="0" smtClean="0"/>
+              <a:rPr lang="en-US" dirty="0"/>
               <a:t>Execute migrations</a:t>
             </a:r>
           </a:p>
@@ -14871,30 +14817,26 @@
               </a:lnSpc>
             </a:pPr>
             <a:r>
-              <a:rPr lang="en-US" dirty="0" err="1" smtClean="0"/>
+              <a:rPr lang="en-US" dirty="0" err="1"/>
               <a:t>php</a:t>
             </a:r>
             <a:r>
               <a:rPr lang="en-US" dirty="0"/>
+              <a:t> artisan </a:t>
+            </a:r>
+            <a:r>
+              <a:rPr lang="en-US" dirty="0" err="1"/>
+              <a:t>make:migration</a:t>
+            </a:r>
+            <a:r>
+              <a:rPr lang="en-US" dirty="0"/>
               <a:t> </a:t>
             </a:r>
             <a:r>
-              <a:rPr lang="en-US" dirty="0" smtClean="0"/>
-              <a:t>artisan </a:t>
-            </a:r>
-            <a:r>
-              <a:rPr lang="en-US" dirty="0" err="1" smtClean="0"/>
-              <a:t>make:migration</a:t>
-            </a:r>
-            <a:r>
-              <a:rPr lang="en-US" dirty="0" smtClean="0"/>
-              <a:t> </a:t>
-            </a:r>
-            <a:r>
-              <a:rPr lang="en-US" dirty="0" err="1" smtClean="0"/>
+              <a:rPr lang="en-US" dirty="0" err="1"/>
               <a:t>create_test_table</a:t>
             </a:r>
-            <a:endParaRPr lang="en-US" dirty="0" smtClean="0"/>
+            <a:endParaRPr lang="en-US" dirty="0"/>
           </a:p>
           <a:p>
             <a:pPr>
@@ -14903,16 +14845,16 @@
               </a:lnSpc>
             </a:pPr>
             <a:r>
-              <a:rPr lang="en-US" dirty="0" err="1" smtClean="0"/>
+              <a:rPr lang="en-US" dirty="0" err="1"/>
               <a:t>php</a:t>
             </a:r>
             <a:r>
-              <a:rPr lang="en-US" dirty="0" smtClean="0"/>
+              <a:rPr lang="en-US" dirty="0"/>
               <a:t> artisan migrate</a:t>
             </a:r>
           </a:p>
           <a:p>
-            <a:endParaRPr lang="en-US" dirty="0" smtClean="0"/>
+            <a:endParaRPr lang="en-US" dirty="0"/>
           </a:p>
           <a:p>
             <a:pPr marL="0" indent="0">
@@ -14968,10 +14910,9 @@
           <a:lstStyle/>
           <a:p>
             <a:r>
-              <a:rPr lang="en-US" b="1" dirty="0" smtClean="0"/>
+              <a:rPr lang="en-US" b="1" dirty="0"/>
               <a:t>Migrations…..</a:t>
             </a:r>
-            <a:endParaRPr lang="en-US" b="1" dirty="0"/>
           </a:p>
         </p:txBody>
       </p:sp>
@@ -14996,7 +14937,7 @@
           <a:lstStyle/>
           <a:p>
             <a:r>
-              <a:rPr lang="en-US" dirty="0" smtClean="0"/>
+              <a:rPr lang="en-US" dirty="0"/>
               <a:t>Reset migrations</a:t>
             </a:r>
           </a:p>
@@ -15011,17 +14952,17 @@
               <a:t> artisan </a:t>
             </a:r>
             <a:r>
-              <a:rPr lang="en-US" dirty="0" err="1" smtClean="0"/>
+              <a:rPr lang="en-US" dirty="0" err="1"/>
               <a:t>migrate:reset</a:t>
             </a:r>
             <a:r>
-              <a:rPr lang="en-US" dirty="0" smtClean="0"/>
+              <a:rPr lang="en-US" dirty="0"/>
               <a:t> // remove all migrations</a:t>
             </a:r>
           </a:p>
           <a:p>
             <a:r>
-              <a:rPr lang="en-US" dirty="0" smtClean="0"/>
+              <a:rPr lang="en-US" dirty="0"/>
               <a:t>Roll back migrations</a:t>
             </a:r>
           </a:p>
@@ -15036,17 +14977,17 @@
               <a:t> artisan </a:t>
             </a:r>
             <a:r>
-              <a:rPr lang="en-US" dirty="0" err="1" smtClean="0"/>
+              <a:rPr lang="en-US" dirty="0" err="1"/>
               <a:t>migrate:rollback</a:t>
             </a:r>
             <a:r>
-              <a:rPr lang="en-US" dirty="0" smtClean="0"/>
+              <a:rPr lang="en-US" dirty="0"/>
               <a:t> // remove only latest migration</a:t>
             </a:r>
           </a:p>
           <a:p>
             <a:r>
-              <a:rPr lang="en-US" dirty="0" smtClean="0"/>
+              <a:rPr lang="en-US" dirty="0"/>
               <a:t>Roll back steps, refresh</a:t>
             </a:r>
           </a:p>
@@ -15066,16 +15007,12 @@
             </a:r>
             <a:r>
               <a:rPr lang="en-US" dirty="0"/>
-              <a:t> --step </a:t>
-            </a:r>
-            <a:r>
-              <a:rPr lang="en-US" dirty="0" smtClean="0"/>
-              <a:t>3 // remove nth migrations</a:t>
-            </a:r>
-          </a:p>
-          <a:p>
-            <a:r>
-              <a:rPr lang="en-US" dirty="0" smtClean="0"/>
+              <a:t> --step 3 // remove nth migrations</a:t>
+            </a:r>
+          </a:p>
+          <a:p>
+            <a:r>
+              <a:rPr lang="en-US" dirty="0"/>
               <a:t>Single file migration</a:t>
             </a:r>
           </a:p>
@@ -15087,13 +15024,8 @@
             </a:r>
             <a:r>
               <a:rPr lang="en-US" dirty="0"/>
-              <a:t> artisan migrate --path=/</a:t>
-            </a:r>
-            <a:r>
-              <a:rPr lang="en-US" dirty="0" smtClean="0"/>
-              <a:t>database/migrations/2020_09_21_141958_create_test_table.php</a:t>
-            </a:r>
-            <a:endParaRPr lang="en-US" dirty="0"/>
+              <a:t> artisan migrate --path=/database/migrations/2020_09_21_141958_create_test_table.php</a:t>
+            </a:r>
           </a:p>
         </p:txBody>
       </p:sp>
@@ -15143,10 +15075,9 @@
           <a:lstStyle/>
           <a:p>
             <a:r>
-              <a:rPr lang="en-US" b="1" dirty="0" smtClean="0"/>
+              <a:rPr lang="en-US" b="1" dirty="0"/>
               <a:t>Adding Dummy Records (Seeds)</a:t>
             </a:r>
-            <a:endParaRPr lang="en-US" b="1" dirty="0"/>
           </a:p>
         </p:txBody>
       </p:sp>
@@ -15171,7 +15102,7 @@
               </a:lnSpc>
             </a:pPr>
             <a:r>
-              <a:rPr lang="en-US" dirty="0" smtClean="0"/>
+              <a:rPr lang="en-US" dirty="0"/>
               <a:t>Make seeder class</a:t>
             </a:r>
           </a:p>
@@ -15182,26 +15113,26 @@
               </a:lnSpc>
             </a:pPr>
             <a:r>
-              <a:rPr lang="en-US" dirty="0" err="1" smtClean="0"/>
+              <a:rPr lang="en-US" dirty="0" err="1"/>
               <a:t>php</a:t>
             </a:r>
             <a:r>
-              <a:rPr lang="en-US" dirty="0" smtClean="0"/>
+              <a:rPr lang="en-US" dirty="0"/>
               <a:t> artisan </a:t>
             </a:r>
             <a:r>
-              <a:rPr lang="en-US" dirty="0" err="1" smtClean="0"/>
+              <a:rPr lang="en-US" dirty="0" err="1"/>
               <a:t>make:seeder</a:t>
             </a:r>
             <a:r>
-              <a:rPr lang="en-US" dirty="0" smtClean="0"/>
+              <a:rPr lang="en-US" dirty="0"/>
               <a:t> </a:t>
             </a:r>
             <a:r>
-              <a:rPr lang="en-US" dirty="0" err="1" smtClean="0"/>
+              <a:rPr lang="en-US" dirty="0" err="1"/>
               <a:t>userSeeder</a:t>
             </a:r>
-            <a:endParaRPr lang="en-US" dirty="0" smtClean="0"/>
+            <a:endParaRPr lang="en-US" dirty="0"/>
           </a:p>
           <a:p>
             <a:pPr>
@@ -15210,7 +15141,7 @@
               </a:lnSpc>
             </a:pPr>
             <a:r>
-              <a:rPr lang="en-US" dirty="0" smtClean="0"/>
+              <a:rPr lang="en-US" dirty="0"/>
               <a:t>Execute seeder class</a:t>
             </a:r>
           </a:p>
@@ -15221,27 +15152,27 @@
               </a:lnSpc>
             </a:pPr>
             <a:r>
-              <a:rPr lang="en-US" dirty="0" err="1" smtClean="0"/>
+              <a:rPr lang="en-US" dirty="0" err="1"/>
               <a:t>php</a:t>
             </a:r>
             <a:r>
-              <a:rPr lang="en-US" dirty="0" smtClean="0"/>
+              <a:rPr lang="en-US" dirty="0"/>
               <a:t> artisan </a:t>
             </a:r>
             <a:r>
-              <a:rPr lang="en-US" dirty="0" err="1" smtClean="0"/>
+              <a:rPr lang="en-US" dirty="0" err="1"/>
               <a:t>db:seed</a:t>
             </a:r>
             <a:r>
-              <a:rPr lang="en-US" dirty="0" smtClean="0"/>
+              <a:rPr lang="en-US" dirty="0"/>
               <a:t> –class </a:t>
             </a:r>
             <a:r>
-              <a:rPr lang="en-US" dirty="0" err="1" smtClean="0"/>
+              <a:rPr lang="en-US" dirty="0" err="1"/>
               <a:t>userSeeder</a:t>
             </a:r>
             <a:r>
-              <a:rPr lang="en-US" dirty="0" smtClean="0"/>
+              <a:rPr lang="en-US" dirty="0"/>
               <a:t> </a:t>
             </a:r>
           </a:p>
@@ -15252,10 +15183,9 @@
               </a:lnSpc>
             </a:pPr>
             <a:r>
-              <a:rPr lang="en-US" dirty="0" smtClean="0"/>
+              <a:rPr lang="en-US" dirty="0"/>
               <a:t>It will create dummy records as per your requirement</a:t>
             </a:r>
-            <a:endParaRPr lang="en-US" dirty="0"/>
           </a:p>
         </p:txBody>
       </p:sp>
@@ -15305,15 +15235,15 @@
           <a:lstStyle/>
           <a:p>
             <a:r>
-              <a:rPr lang="en-US" b="1" dirty="0" err="1" smtClean="0"/>
+              <a:rPr lang="en-US" b="1" dirty="0" err="1"/>
               <a:t>Mutator</a:t>
             </a:r>
             <a:r>
-              <a:rPr lang="en-US" b="1" dirty="0" smtClean="0"/>
+              <a:rPr lang="en-US" b="1" dirty="0"/>
               <a:t>/</a:t>
             </a:r>
             <a:r>
-              <a:rPr lang="en-US" b="1" dirty="0" err="1" smtClean="0"/>
+              <a:rPr lang="en-US" b="1" dirty="0" err="1"/>
               <a:t>Accessors</a:t>
             </a:r>
             <a:endParaRPr lang="en-US" b="1" dirty="0"/>
@@ -15336,85 +15266,85 @@
           <a:lstStyle/>
           <a:p>
             <a:r>
-              <a:rPr lang="en-US" dirty="0" smtClean="0"/>
+              <a:rPr lang="en-US" dirty="0"/>
               <a:t>What is </a:t>
             </a:r>
             <a:r>
-              <a:rPr lang="en-US" dirty="0" err="1" smtClean="0"/>
+              <a:rPr lang="en-US" dirty="0" err="1"/>
               <a:t>mutator</a:t>
             </a:r>
             <a:r>
-              <a:rPr lang="en-US" dirty="0" smtClean="0"/>
+              <a:rPr lang="en-US" dirty="0"/>
               <a:t>/</a:t>
             </a:r>
             <a:r>
-              <a:rPr lang="en-US" dirty="0" err="1" smtClean="0"/>
+              <a:rPr lang="en-US" dirty="0" err="1"/>
               <a:t>accessor</a:t>
             </a:r>
             <a:r>
-              <a:rPr lang="en-US" dirty="0" smtClean="0"/>
+              <a:rPr lang="en-US" dirty="0"/>
               <a:t> ?</a:t>
             </a:r>
           </a:p>
           <a:p>
             <a:r>
-              <a:rPr lang="en-US" dirty="0" smtClean="0"/>
+              <a:rPr lang="en-US" dirty="0"/>
               <a:t>And how it works</a:t>
             </a:r>
           </a:p>
           <a:p>
             <a:r>
-              <a:rPr lang="en-US" dirty="0" smtClean="0"/>
+              <a:rPr lang="en-US" dirty="0"/>
               <a:t>We can actually manipulate fields </a:t>
             </a:r>
           </a:p>
           <a:p>
             <a:r>
-              <a:rPr lang="en-US" dirty="0" smtClean="0"/>
+              <a:rPr lang="en-US" dirty="0"/>
               <a:t>Public function </a:t>
             </a:r>
             <a:r>
-              <a:rPr lang="en-US" dirty="0" err="1" smtClean="0"/>
+              <a:rPr lang="en-US" dirty="0" err="1"/>
               <a:t>getNameAttribute</a:t>
             </a:r>
             <a:r>
-              <a:rPr lang="en-US" dirty="0" smtClean="0"/>
+              <a:rPr lang="en-US" dirty="0"/>
               <a:t>($name) { return $name; }</a:t>
             </a:r>
           </a:p>
           <a:p>
             <a:r>
-              <a:rPr lang="en-US" dirty="0" smtClean="0"/>
+              <a:rPr lang="en-US" dirty="0"/>
               <a:t>Public function </a:t>
             </a:r>
             <a:r>
-              <a:rPr lang="en-US" dirty="0" err="1" smtClean="0"/>
+              <a:rPr lang="en-US" dirty="0" err="1"/>
               <a:t>setNameAttribute</a:t>
             </a:r>
             <a:r>
-              <a:rPr lang="en-US" dirty="0" smtClean="0"/>
+              <a:rPr lang="en-US" dirty="0"/>
               <a:t>($name) { </a:t>
             </a:r>
             <a:br>
-              <a:rPr lang="en-US" dirty="0" smtClean="0"/>
+              <a:rPr lang="en-US" dirty="0"/>
             </a:br>
             <a:r>
-              <a:rPr lang="en-US" dirty="0" smtClean="0"/>
+              <a:rPr lang="en-US" dirty="0"/>
               <a:t>	$this-&gt;attributes[‘name’] = “some </a:t>
             </a:r>
             <a:r>
-              <a:rPr lang="en-US" dirty="0" err="1" smtClean="0"/>
+              <a:rPr lang="en-US" dirty="0" err="1"/>
               <a:t>value”.$name</a:t>
             </a:r>
             <a:r>
-              <a:rPr lang="en-US" dirty="0" smtClean="0"/>
+              <a:rPr lang="en-US" dirty="0"/>
               <a:t>; </a:t>
             </a:r>
             <a:br>
-              <a:rPr lang="en-US" dirty="0" smtClean="0"/>
+              <a:rPr lang="en-US" dirty="0"/>
             </a:br>
             <a:r>
-              <a:rPr lang="en-US" dirty="0" smtClean="0"/>
+              <a:rPr lang="en-US" dirty="0"/>
               <a:t>}</a:t>
             </a:r>
           </a:p>
@@ -15469,10 +15399,9 @@
           <a:lstStyle/>
           <a:p>
             <a:r>
-              <a:rPr lang="en-US" b="1" dirty="0" smtClean="0"/>
+              <a:rPr lang="en-US" b="1" dirty="0"/>
               <a:t>One to One/Many Relationship</a:t>
             </a:r>
-            <a:endParaRPr lang="en-US" b="1" dirty="0"/>
           </a:p>
         </p:txBody>
       </p:sp>
@@ -15497,51 +15426,51 @@
           <a:lstStyle/>
           <a:p>
             <a:r>
-              <a:rPr lang="en-US" b="1" dirty="0" smtClean="0"/>
+              <a:rPr lang="en-US" b="1" dirty="0"/>
               <a:t>One to one relation</a:t>
             </a:r>
           </a:p>
           <a:p>
             <a:pPr lvl="1"/>
             <a:r>
-              <a:rPr lang="en-US" dirty="0" smtClean="0"/>
+              <a:rPr lang="en-US" dirty="0"/>
               <a:t>Relate two tables with unique id or column</a:t>
             </a:r>
           </a:p>
           <a:p>
             <a:pPr lvl="1"/>
             <a:r>
-              <a:rPr lang="en-US" dirty="0" smtClean="0"/>
+              <a:rPr lang="en-US" dirty="0"/>
               <a:t>Returns only one record </a:t>
             </a:r>
           </a:p>
           <a:p>
             <a:pPr lvl="1"/>
             <a:r>
-              <a:rPr lang="en-US" dirty="0" smtClean="0"/>
+              <a:rPr lang="en-US" dirty="0"/>
               <a:t>$this-&gt;</a:t>
             </a:r>
             <a:r>
-              <a:rPr lang="en-US" dirty="0" err="1" smtClean="0"/>
+              <a:rPr lang="en-US" dirty="0" err="1"/>
               <a:t>hasOne</a:t>
             </a:r>
             <a:r>
-              <a:rPr lang="en-US" dirty="0" smtClean="0"/>
+              <a:rPr lang="en-US" dirty="0"/>
               <a:t>(‘App\Model\User’)</a:t>
             </a:r>
           </a:p>
           <a:p>
             <a:pPr lvl="1"/>
             <a:r>
-              <a:rPr lang="en-US" dirty="0" smtClean="0"/>
+              <a:rPr lang="en-US" dirty="0"/>
               <a:t>User::find(1)-&gt;</a:t>
             </a:r>
             <a:r>
-              <a:rPr lang="en-US" dirty="0" err="1" smtClean="0"/>
+              <a:rPr lang="en-US" dirty="0" err="1"/>
               <a:t>hasOne</a:t>
             </a:r>
             <a:r>
-              <a:rPr lang="en-US" dirty="0" smtClean="0"/>
+              <a:rPr lang="en-US" dirty="0"/>
               <a:t>();</a:t>
             </a:r>
           </a:p>
@@ -15551,21 +15480,21 @@
           </a:p>
           <a:p>
             <a:r>
-              <a:rPr lang="en-US" b="1" dirty="0" smtClean="0"/>
+              <a:rPr lang="en-US" b="1" dirty="0"/>
               <a:t>One to many relation</a:t>
             </a:r>
           </a:p>
           <a:p>
             <a:pPr lvl="1"/>
             <a:r>
-              <a:rPr lang="en-US" dirty="0" smtClean="0"/>
+              <a:rPr lang="en-US" dirty="0"/>
               <a:t>Relate two tables with unique id or column</a:t>
             </a:r>
           </a:p>
           <a:p>
             <a:pPr lvl="1"/>
             <a:r>
-              <a:rPr lang="en-US" dirty="0" smtClean="0"/>
+              <a:rPr lang="en-US" dirty="0"/>
               <a:t>Returns multiple records based on condition</a:t>
             </a:r>
           </a:p>
@@ -15576,20 +15505,12 @@
               <a:t>$this-&gt;</a:t>
             </a:r>
             <a:r>
-              <a:rPr lang="en-US" dirty="0" err="1" smtClean="0"/>
+              <a:rPr lang="en-US" dirty="0" err="1"/>
               <a:t>hasMany</a:t>
             </a:r>
             <a:r>
-              <a:rPr lang="en-US" dirty="0" smtClean="0"/>
-              <a:t>(‘</a:t>
-            </a:r>
-            <a:r>
-              <a:rPr lang="en-US" dirty="0"/>
-              <a:t>App\Model\User</a:t>
-            </a:r>
-            <a:r>
-              <a:rPr lang="en-US" dirty="0" smtClean="0"/>
-              <a:t>’)</a:t>
+              <a:rPr lang="en-US" dirty="0"/>
+              <a:t>(‘App\Model\User’)</a:t>
             </a:r>
           </a:p>
           <a:p>
@@ -15599,14 +15520,13 @@
               <a:t>User::find(1)-&gt;</a:t>
             </a:r>
             <a:r>
-              <a:rPr lang="en-US" dirty="0" err="1" smtClean="0"/>
+              <a:rPr lang="en-US" dirty="0" err="1"/>
               <a:t>hasMany</a:t>
             </a:r>
             <a:r>
-              <a:rPr lang="en-US" dirty="0" smtClean="0"/>
+              <a:rPr lang="en-US" dirty="0"/>
               <a:t>();</a:t>
             </a:r>
-            <a:endParaRPr lang="en-US" dirty="0"/>
           </a:p>
         </p:txBody>
       </p:sp>
@@ -15656,10 +15576,9 @@
           <a:lstStyle/>
           <a:p>
             <a:r>
-              <a:rPr lang="en-US" b="1" dirty="0" smtClean="0"/>
+              <a:rPr lang="en-US" b="1" dirty="0"/>
               <a:t>API’s</a:t>
             </a:r>
-            <a:endParaRPr lang="en-US" b="1" dirty="0"/>
           </a:p>
         </p:txBody>
       </p:sp>
@@ -15679,41 +15598,41 @@
           <a:lstStyle/>
           <a:p>
             <a:r>
-              <a:rPr lang="en-US" dirty="0" smtClean="0"/>
+              <a:rPr lang="en-US" dirty="0"/>
               <a:t>How to make an API</a:t>
             </a:r>
           </a:p>
           <a:p>
             <a:r>
-              <a:rPr lang="en-US" dirty="0" smtClean="0"/>
+              <a:rPr lang="en-US" dirty="0"/>
               <a:t>API Methods</a:t>
             </a:r>
           </a:p>
           <a:p>
             <a:pPr lvl="1"/>
             <a:r>
-              <a:rPr lang="en-US" dirty="0" smtClean="0"/>
+              <a:rPr lang="en-US" dirty="0"/>
               <a:t>POST</a:t>
             </a:r>
           </a:p>
           <a:p>
             <a:pPr lvl="1"/>
             <a:r>
-              <a:rPr lang="en-US" dirty="0" smtClean="0"/>
+              <a:rPr lang="en-US" dirty="0"/>
               <a:t>GET</a:t>
             </a:r>
           </a:p>
           <a:p>
             <a:pPr lvl="1"/>
             <a:r>
-              <a:rPr lang="en-US" dirty="0" smtClean="0"/>
+              <a:rPr lang="en-US" dirty="0"/>
               <a:t>PUT</a:t>
             </a:r>
           </a:p>
           <a:p>
             <a:pPr lvl="1"/>
             <a:r>
-              <a:rPr lang="en-US" dirty="0" smtClean="0"/>
+              <a:rPr lang="en-US" dirty="0"/>
               <a:t>DELETE</a:t>
             </a:r>
           </a:p>
@@ -15765,10 +15684,9 @@
           <a:lstStyle/>
           <a:p>
             <a:r>
-              <a:rPr lang="en-US" b="1" dirty="0" smtClean="0"/>
+              <a:rPr lang="en-US" b="1" dirty="0"/>
               <a:t>Login Module</a:t>
             </a:r>
-            <a:endParaRPr lang="en-US" b="1" dirty="0"/>
           </a:p>
         </p:txBody>
       </p:sp>
@@ -15791,15 +15709,9 @@
               <a:rPr lang="en-US" dirty="0">
                 <a:hlinkClick r:id="rId2"/>
               </a:rPr>
-              <a:t>https://</a:t>
-            </a:r>
-            <a:r>
-              <a:rPr lang="en-US" dirty="0" smtClean="0">
-                <a:hlinkClick r:id="rId2"/>
-              </a:rPr>
-              <a:t>www.laravelia.com/post/laravel-9-bootstrap-auth-scaffolding-example</a:t>
-            </a:r>
-            <a:endParaRPr lang="en-US" dirty="0" smtClean="0"/>
+              <a:t>https://www.laravelia.com/post/laravel-9-bootstrap-auth-scaffolding-example</a:t>
+            </a:r>
+            <a:endParaRPr lang="en-US" dirty="0"/>
           </a:p>
           <a:p>
             <a:r>
@@ -15807,18 +15719,18 @@
               <a:t>composer require </a:t>
             </a:r>
             <a:r>
-              <a:rPr lang="en-US" dirty="0" err="1" smtClean="0"/>
+              <a:rPr lang="en-US" dirty="0" err="1"/>
               <a:t>laravel</a:t>
             </a:r>
             <a:r>
-              <a:rPr lang="en-US" dirty="0" smtClean="0"/>
+              <a:rPr lang="en-US" dirty="0"/>
               <a:t>/</a:t>
             </a:r>
             <a:r>
-              <a:rPr lang="en-US" dirty="0" err="1" smtClean="0"/>
+              <a:rPr lang="en-US" dirty="0" err="1"/>
               <a:t>ui</a:t>
             </a:r>
-            <a:endParaRPr lang="en-US" dirty="0" smtClean="0"/>
+            <a:endParaRPr lang="en-US" dirty="0"/>
           </a:p>
           <a:p>
             <a:r>
@@ -15853,17 +15765,13 @@
             </a:r>
             <a:r>
               <a:rPr lang="en-US" dirty="0"/>
-              <a:t> bootstrap </a:t>
-            </a:r>
-            <a:r>
-              <a:rPr lang="en-US" dirty="0" smtClean="0"/>
-              <a:t>–</a:t>
-            </a:r>
-            <a:r>
-              <a:rPr lang="en-US" dirty="0" err="1" smtClean="0"/>
+              <a:t> bootstrap –</a:t>
+            </a:r>
+            <a:r>
+              <a:rPr lang="en-US" dirty="0" err="1"/>
               <a:t>auth</a:t>
             </a:r>
-            <a:endParaRPr lang="en-US" dirty="0" smtClean="0"/>
+            <a:endParaRPr lang="en-US" dirty="0"/>
           </a:p>
           <a:p>
             <a:r>
@@ -15880,11 +15788,7 @@
             </a:r>
             <a:r>
               <a:rPr lang="en-US" dirty="0"/>
-              <a:t> run </a:t>
-            </a:r>
-            <a:r>
-              <a:rPr lang="en-US" dirty="0" smtClean="0"/>
-              <a:t>dev</a:t>
+              <a:t> run dev</a:t>
             </a:r>
           </a:p>
           <a:p>
@@ -15938,10 +15842,9 @@
           <a:lstStyle/>
           <a:p>
             <a:r>
-              <a:rPr lang="en-US" b="1" dirty="0" smtClean="0"/>
+              <a:rPr lang="en-US" b="1" dirty="0"/>
               <a:t>Protected API’s</a:t>
             </a:r>
-            <a:endParaRPr lang="en-US" b="1" dirty="0"/>
           </a:p>
         </p:txBody>
       </p:sp>
@@ -15961,41 +15864,37 @@
           <a:lstStyle/>
           <a:p>
             <a:r>
-              <a:rPr lang="en-US" dirty="0" smtClean="0"/>
+              <a:rPr lang="en-US" dirty="0"/>
               <a:t>Protected/Private </a:t>
             </a:r>
             <a:r>
-              <a:rPr lang="en-US" dirty="0" err="1" smtClean="0"/>
+              <a:rPr lang="en-US" dirty="0" err="1"/>
               <a:t>api’s</a:t>
             </a:r>
             <a:r>
-              <a:rPr lang="en-US" dirty="0" smtClean="0"/>
+              <a:rPr lang="en-US" dirty="0"/>
               <a:t> requires a token to access them</a:t>
             </a:r>
           </a:p>
           <a:p>
             <a:r>
-              <a:rPr lang="en-US" dirty="0" err="1" smtClean="0"/>
+              <a:rPr lang="en-US" dirty="0" err="1"/>
               <a:t>Laravel</a:t>
             </a:r>
             <a:r>
-              <a:rPr lang="en-US" dirty="0" smtClean="0"/>
+              <a:rPr lang="en-US" dirty="0"/>
               <a:t> by default provide us technique to protect an </a:t>
             </a:r>
             <a:r>
-              <a:rPr lang="en-US" dirty="0" err="1" smtClean="0"/>
+              <a:rPr lang="en-US" dirty="0" err="1"/>
               <a:t>api</a:t>
             </a:r>
-            <a:endParaRPr lang="en-US" dirty="0" smtClean="0"/>
-          </a:p>
-          <a:p>
-            <a:r>
-              <a:rPr lang="en-US" dirty="0" smtClean="0"/>
-              <a:t>https</a:t>
-            </a:r>
-            <a:r>
-              <a:rPr lang="en-US" dirty="0"/>
-              <a:t>://laravel.com/docs/10.x/sanctum</a:t>
+            <a:endParaRPr lang="en-US" dirty="0"/>
+          </a:p>
+          <a:p>
+            <a:r>
+              <a:rPr lang="en-US" dirty="0"/>
+              <a:t>https://laravel.com/docs/10.x/sanctum</a:t>
             </a:r>
           </a:p>
         </p:txBody>
@@ -16046,10 +15945,9 @@
           <a:lstStyle/>
           <a:p>
             <a:r>
-              <a:rPr lang="en-US" b="1" dirty="0" smtClean="0"/>
+              <a:rPr lang="en-US" b="1" dirty="0"/>
               <a:t>What we need ?</a:t>
             </a:r>
-            <a:endParaRPr lang="en-US" b="1" dirty="0"/>
           </a:p>
         </p:txBody>
       </p:sp>
@@ -16063,75 +15961,69 @@
             <p:ph idx="1"/>
           </p:nvPr>
         </p:nvSpPr>
-        <p:spPr/>
+        <p:spPr>
+          <a:xfrm>
+            <a:off x="1154954" y="2603500"/>
+            <a:ext cx="8825659" cy="3881190"/>
+          </a:xfrm>
+        </p:spPr>
         <p:txBody>
           <a:bodyPr>
-            <a:normAutofit lnSpcReduction="10000"/>
+            <a:normAutofit fontScale="92500" lnSpcReduction="20000"/>
           </a:bodyPr>
           <a:lstStyle/>
           <a:p>
             <a:r>
-              <a:rPr lang="en-US" dirty="0" smtClean="0"/>
+              <a:rPr lang="en-US" dirty="0"/>
+              <a:t>Git </a:t>
+            </a:r>
+          </a:p>
+          <a:p>
+            <a:pPr lvl="1"/>
+            <a:r>
+              <a:rPr lang="en-US" dirty="0"/>
+              <a:t>https://git-scm.com/downloads</a:t>
+            </a:r>
+          </a:p>
+          <a:p>
+            <a:r>
+              <a:rPr lang="en-US" dirty="0"/>
               <a:t>XAMPP for server configuration</a:t>
             </a:r>
           </a:p>
           <a:p>
             <a:pPr lvl="1"/>
-            <a:r>
-              <a:rPr lang="en-US" dirty="0" smtClean="0">
-                <a:hlinkClick r:id="rId2"/>
-              </a:rPr>
-              <a:t>https</a:t>
-            </a:r>
             <a:r>
               <a:rPr lang="en-US" dirty="0">
                 <a:hlinkClick r:id="rId2"/>
               </a:rPr>
-              <a:t>://www.apachefriends.org</a:t>
-            </a:r>
-            <a:r>
-              <a:rPr lang="en-US" dirty="0" smtClean="0">
-                <a:hlinkClick r:id="rId2"/>
-              </a:rPr>
-              <a:t>/</a:t>
-            </a:r>
-            <a:endParaRPr lang="en-US" dirty="0" smtClean="0"/>
-          </a:p>
-          <a:p>
-            <a:r>
-              <a:rPr lang="en-US" dirty="0" smtClean="0"/>
+              <a:t>https://www.apachefriends.org/</a:t>
+            </a:r>
+            <a:endParaRPr lang="en-US" dirty="0"/>
+          </a:p>
+          <a:p>
+            <a:r>
+              <a:rPr lang="en-US" dirty="0"/>
               <a:t>Composer ( </a:t>
-            </a:r>
-            <a:r>
-              <a:rPr lang="en-US" dirty="0" smtClean="0">
-                <a:hlinkClick r:id="rId3"/>
-              </a:rPr>
-              <a:t>https</a:t>
             </a:r>
             <a:r>
               <a:rPr lang="en-US" dirty="0">
                 <a:hlinkClick r:id="rId3"/>
               </a:rPr>
-              <a:t>://getcomposer.org</a:t>
-            </a:r>
-            <a:r>
-              <a:rPr lang="en-US" dirty="0" smtClean="0">
-                <a:hlinkClick r:id="rId3"/>
-              </a:rPr>
-              <a:t>/</a:t>
-            </a:r>
-            <a:r>
-              <a:rPr lang="en-US" dirty="0" smtClean="0"/>
+              <a:t>https://getcomposer.org/</a:t>
+            </a:r>
+            <a:r>
+              <a:rPr lang="en-US" dirty="0"/>
               <a:t> )</a:t>
             </a:r>
           </a:p>
           <a:p>
             <a:r>
-              <a:rPr lang="en-US" dirty="0" err="1" smtClean="0"/>
+              <a:rPr lang="en-US" dirty="0" err="1"/>
               <a:t>Laravel</a:t>
             </a:r>
             <a:r>
-              <a:rPr lang="en-US" dirty="0" smtClean="0"/>
+              <a:rPr lang="en-US" dirty="0"/>
               <a:t> installer using composer </a:t>
             </a:r>
           </a:p>
@@ -16149,19 +16041,18 @@
               <a:rPr lang="en-US" dirty="0"/>
               <a:t>/installer</a:t>
             </a:r>
-            <a:endParaRPr lang="en-US" dirty="0" smtClean="0"/>
-          </a:p>
-          <a:p>
-            <a:r>
-              <a:rPr lang="en-US" b="1" dirty="0" smtClean="0"/>
+          </a:p>
+          <a:p>
+            <a:r>
+              <a:rPr lang="en-US" b="1" dirty="0"/>
               <a:t>Your first </a:t>
             </a:r>
             <a:r>
-              <a:rPr lang="en-US" b="1" dirty="0" err="1" smtClean="0"/>
+              <a:rPr lang="en-US" b="1" dirty="0" err="1"/>
               <a:t>Laravel</a:t>
             </a:r>
             <a:r>
-              <a:rPr lang="en-US" b="1" dirty="0" smtClean="0"/>
+              <a:rPr lang="en-US" b="1" dirty="0"/>
               <a:t> app</a:t>
             </a:r>
           </a:p>
@@ -16185,11 +16076,7 @@
             </a:r>
             <a:r>
               <a:rPr lang="en-US" dirty="0"/>
-              <a:t> </a:t>
-            </a:r>
-            <a:r>
-              <a:rPr lang="en-US" dirty="0" smtClean="0"/>
-              <a:t>example-app</a:t>
+              <a:t> example-app</a:t>
             </a:r>
           </a:p>
           <a:p>
@@ -16200,23 +16087,26 @@
             </a:r>
             <a:r>
               <a:rPr lang="en-US" dirty="0"/>
-              <a:t> </a:t>
-            </a:r>
-            <a:r>
-              <a:rPr lang="en-US" dirty="0" smtClean="0"/>
-              <a:t>new example-app</a:t>
+              <a:t> new example-app</a:t>
             </a:r>
           </a:p>
           <a:p>
             <a:pPr lvl="1"/>
             <a:r>
-              <a:rPr lang="en-US" dirty="0" err="1"/>
-              <a:t>php</a:t>
-            </a:r>
-            <a:r>
-              <a:rPr lang="en-US" dirty="0"/>
-              <a:t> artisan serve</a:t>
-            </a:r>
+              <a:rPr lang="en-US" dirty="0"/>
+              <a:t>php artisan serve</a:t>
+            </a:r>
+          </a:p>
+          <a:p>
+            <a:pPr lvl="1"/>
+            <a:r>
+              <a:rPr lang="en-US" dirty="0"/>
+              <a:t>composer update </a:t>
+            </a:r>
+          </a:p>
+          <a:p>
+            <a:pPr lvl="1"/>
+            <a:endParaRPr lang="en-US" dirty="0"/>
           </a:p>
         </p:txBody>
       </p:sp>
@@ -16266,10 +16156,9 @@
           <a:lstStyle/>
           <a:p>
             <a:r>
-              <a:rPr lang="en-US" b="1" dirty="0" smtClean="0"/>
+              <a:rPr lang="en-US" b="1" dirty="0"/>
               <a:t>What we will learn ?</a:t>
             </a:r>
-            <a:endParaRPr lang="en-US" b="1" dirty="0"/>
           </a:p>
         </p:txBody>
       </p:sp>
@@ -16294,74 +16183,74 @@
           <a:lstStyle/>
           <a:p>
             <a:r>
-              <a:rPr lang="en-US" dirty="0" smtClean="0"/>
+              <a:rPr lang="en-US" dirty="0"/>
               <a:t>About MVC ( model, view, controller)</a:t>
             </a:r>
           </a:p>
           <a:p>
             <a:r>
-              <a:rPr lang="en-US" dirty="0" smtClean="0"/>
+              <a:rPr lang="en-US" dirty="0"/>
               <a:t>Directory Structure of </a:t>
             </a:r>
             <a:r>
-              <a:rPr lang="en-US" dirty="0" err="1" smtClean="0"/>
+              <a:rPr lang="en-US" dirty="0" err="1"/>
               <a:t>Laravel</a:t>
             </a:r>
-            <a:endParaRPr lang="en-US" dirty="0" smtClean="0"/>
-          </a:p>
-          <a:p>
-            <a:r>
-              <a:rPr lang="en-US" dirty="0" smtClean="0"/>
+            <a:endParaRPr lang="en-US" dirty="0"/>
+          </a:p>
+          <a:p>
+            <a:r>
+              <a:rPr lang="en-US" dirty="0"/>
               <a:t>Routing in </a:t>
             </a:r>
             <a:r>
-              <a:rPr lang="en-US" dirty="0" err="1" smtClean="0"/>
+              <a:rPr lang="en-US" dirty="0" err="1"/>
               <a:t>Laravel</a:t>
             </a:r>
-            <a:endParaRPr lang="en-US" dirty="0" smtClean="0"/>
-          </a:p>
-          <a:p>
-            <a:r>
-              <a:rPr lang="en-US" dirty="0" smtClean="0"/>
+            <a:endParaRPr lang="en-US" dirty="0"/>
+          </a:p>
+          <a:p>
+            <a:r>
+              <a:rPr lang="en-US" dirty="0"/>
               <a:t>Components</a:t>
             </a:r>
           </a:p>
           <a:p>
             <a:r>
-              <a:rPr lang="en-US" dirty="0" smtClean="0"/>
+              <a:rPr lang="en-US" dirty="0"/>
               <a:t>Blade templates</a:t>
             </a:r>
           </a:p>
           <a:p>
             <a:r>
-              <a:rPr lang="en-US" dirty="0" smtClean="0"/>
+              <a:rPr lang="en-US" dirty="0"/>
               <a:t>Form Handling</a:t>
             </a:r>
           </a:p>
           <a:p>
             <a:r>
-              <a:rPr lang="en-US" dirty="0" smtClean="0"/>
+              <a:rPr lang="en-US" dirty="0"/>
               <a:t>Database Connections</a:t>
             </a:r>
           </a:p>
           <a:p>
             <a:r>
-              <a:rPr lang="en-US" dirty="0" smtClean="0"/>
+              <a:rPr lang="en-US" dirty="0"/>
               <a:t>Middleware's</a:t>
             </a:r>
           </a:p>
           <a:p>
             <a:r>
-              <a:rPr lang="en-US" dirty="0" err="1" smtClean="0"/>
+              <a:rPr lang="en-US" dirty="0" err="1"/>
               <a:t>Auth</a:t>
             </a:r>
             <a:r>
-              <a:rPr lang="en-US" dirty="0" smtClean="0"/>
+              <a:rPr lang="en-US" dirty="0"/>
               <a:t> and sessions management</a:t>
             </a:r>
           </a:p>
           <a:p>
-            <a:endParaRPr lang="en-US" dirty="0" smtClean="0"/>
+            <a:endParaRPr lang="en-US" dirty="0"/>
           </a:p>
           <a:p>
             <a:endParaRPr lang="en-US" dirty="0"/>
@@ -16414,10 +16303,9 @@
           <a:lstStyle/>
           <a:p>
             <a:r>
-              <a:rPr lang="en-US" b="1" dirty="0" smtClean="0"/>
+              <a:rPr lang="en-US" b="1" dirty="0"/>
               <a:t>Routing</a:t>
             </a:r>
-            <a:endParaRPr lang="en-US" b="1" dirty="0"/>
           </a:p>
         </p:txBody>
       </p:sp>
@@ -16442,9 +16330,16 @@
               </a:lnSpc>
             </a:pPr>
             <a:r>
-              <a:rPr lang="en-US" dirty="0" smtClean="0"/>
-              <a:t>POST</a:t>
-            </a:r>
+              <a:rPr lang="en-US" dirty="0"/>
+              <a:t>POST </a:t>
+            </a:r>
+            <a:r>
+              <a:rPr lang="en-US" dirty="0">
+                <a:sym typeface="Wingdings" panose="05000000000000000000" pitchFamily="2" charset="2"/>
+              </a:rPr>
+              <a:t> To manipulate Form values</a:t>
+            </a:r>
+            <a:endParaRPr lang="en-US" dirty="0"/>
           </a:p>
           <a:p>
             <a:pPr>
@@ -16453,9 +16348,16 @@
               </a:lnSpc>
             </a:pPr>
             <a:r>
-              <a:rPr lang="en-US" dirty="0" smtClean="0"/>
-              <a:t>GET</a:t>
-            </a:r>
+              <a:rPr lang="en-US" dirty="0"/>
+              <a:t>GET </a:t>
+            </a:r>
+            <a:r>
+              <a:rPr lang="en-US" dirty="0">
+                <a:sym typeface="Wingdings" panose="05000000000000000000" pitchFamily="2" charset="2"/>
+              </a:rPr>
+              <a:t> Get any link from browser</a:t>
+            </a:r>
+            <a:endParaRPr lang="en-US" dirty="0"/>
           </a:p>
           <a:p>
             <a:pPr>
@@ -16464,9 +16366,16 @@
               </a:lnSpc>
             </a:pPr>
             <a:r>
-              <a:rPr lang="en-US" dirty="0" smtClean="0"/>
-              <a:t>MATCH</a:t>
-            </a:r>
+              <a:rPr lang="en-US" dirty="0"/>
+              <a:t>MATCH </a:t>
+            </a:r>
+            <a:r>
+              <a:rPr lang="en-US" dirty="0">
+                <a:sym typeface="Wingdings" panose="05000000000000000000" pitchFamily="2" charset="2"/>
+              </a:rPr>
+              <a:t> Accept both get or post</a:t>
+            </a:r>
+            <a:endParaRPr lang="en-US" dirty="0"/>
           </a:p>
           <a:p>
             <a:pPr>
@@ -16475,9 +16384,16 @@
               </a:lnSpc>
             </a:pPr>
             <a:r>
-              <a:rPr lang="en-US" dirty="0" smtClean="0"/>
-              <a:t>PUT</a:t>
-            </a:r>
+              <a:rPr lang="en-US" dirty="0"/>
+              <a:t>PUT </a:t>
+            </a:r>
+            <a:r>
+              <a:rPr lang="en-US" dirty="0">
+                <a:sym typeface="Wingdings" panose="05000000000000000000" pitchFamily="2" charset="2"/>
+              </a:rPr>
+              <a:t> When we need to update data</a:t>
+            </a:r>
+            <a:endParaRPr lang="en-US" dirty="0"/>
           </a:p>
           <a:p>
             <a:pPr>
@@ -16486,9 +16402,29 @@
               </a:lnSpc>
             </a:pPr>
             <a:r>
-              <a:rPr lang="en-US" dirty="0" smtClean="0"/>
-              <a:t>DELETE</a:t>
-            </a:r>
+              <a:rPr lang="en-US" dirty="0"/>
+              <a:t>DELETE </a:t>
+            </a:r>
+            <a:r>
+              <a:rPr lang="en-US" dirty="0">
+                <a:sym typeface="Wingdings" panose="05000000000000000000" pitchFamily="2" charset="2"/>
+              </a:rPr>
+              <a:t> When we need to delete data</a:t>
+            </a:r>
+          </a:p>
+          <a:p>
+            <a:pPr>
+              <a:lnSpc>
+                <a:spcPct val="150000"/>
+              </a:lnSpc>
+            </a:pPr>
+            <a:r>
+              <a:rPr lang="en-US" dirty="0">
+                <a:sym typeface="Wingdings" panose="05000000000000000000" pitchFamily="2" charset="2"/>
+              </a:rPr>
+              <a:t>ANY  To execute any route</a:t>
+            </a:r>
+            <a:endParaRPr lang="en-US" dirty="0"/>
           </a:p>
           <a:p>
             <a:endParaRPr lang="en-US" dirty="0"/>
@@ -16541,10 +16477,9 @@
           <a:lstStyle/>
           <a:p>
             <a:r>
-              <a:rPr lang="en-US" b="1" dirty="0" smtClean="0"/>
+              <a:rPr lang="en-US" b="1" dirty="0"/>
               <a:t>Components</a:t>
             </a:r>
-            <a:endParaRPr lang="en-US" b="1" dirty="0"/>
           </a:p>
         </p:txBody>
       </p:sp>
@@ -16574,7 +16509,7 @@
               </a:lnSpc>
             </a:pPr>
             <a:r>
-              <a:rPr lang="en-US" dirty="0" smtClean="0"/>
+              <a:rPr lang="en-US" dirty="0"/>
               <a:t>Used for reusability</a:t>
             </a:r>
           </a:p>
@@ -16585,7 +16520,7 @@
               </a:lnSpc>
             </a:pPr>
             <a:r>
-              <a:rPr lang="en-US" dirty="0" smtClean="0"/>
+              <a:rPr lang="en-US" dirty="0"/>
               <a:t>Make/User component</a:t>
             </a:r>
           </a:p>
@@ -16596,7 +16531,7 @@
               </a:lnSpc>
             </a:pPr>
             <a:r>
-              <a:rPr lang="en-US" dirty="0" smtClean="0"/>
+              <a:rPr lang="en-US" dirty="0"/>
               <a:t>Pass parameters with components</a:t>
             </a:r>
           </a:p>
@@ -16607,26 +16542,26 @@
               </a:lnSpc>
             </a:pPr>
             <a:r>
-              <a:rPr lang="en-US" dirty="0" err="1" smtClean="0"/>
+              <a:rPr lang="en-US" dirty="0" err="1"/>
               <a:t>php</a:t>
             </a:r>
             <a:r>
-              <a:rPr lang="en-US" dirty="0" smtClean="0"/>
+              <a:rPr lang="en-US" dirty="0"/>
               <a:t> artisan </a:t>
             </a:r>
             <a:r>
-              <a:rPr lang="en-US" dirty="0" err="1" smtClean="0"/>
+              <a:rPr lang="en-US" dirty="0" err="1"/>
               <a:t>make:component</a:t>
             </a:r>
             <a:r>
-              <a:rPr lang="en-US" dirty="0" smtClean="0"/>
+              <a:rPr lang="en-US" dirty="0"/>
               <a:t> </a:t>
             </a:r>
             <a:r>
-              <a:rPr lang="en-US" dirty="0" err="1" smtClean="0"/>
+              <a:rPr lang="en-US" dirty="0" err="1"/>
               <a:t>newComponent</a:t>
             </a:r>
-            <a:endParaRPr lang="en-US" dirty="0" smtClean="0"/>
+            <a:endParaRPr lang="en-US" dirty="0"/>
           </a:p>
           <a:p>
             <a:pPr>
@@ -16635,15 +16570,15 @@
               </a:lnSpc>
             </a:pPr>
             <a:r>
-              <a:rPr lang="en-US" dirty="0" smtClean="0"/>
+              <a:rPr lang="en-US" dirty="0"/>
               <a:t>&lt;x-</a:t>
             </a:r>
             <a:r>
-              <a:rPr lang="en-US" dirty="0" err="1" smtClean="0"/>
+              <a:rPr lang="en-US" dirty="0" err="1"/>
               <a:t>component_name</a:t>
             </a:r>
             <a:r>
-              <a:rPr lang="en-US" dirty="0" smtClean="0"/>
+              <a:rPr lang="en-US" dirty="0"/>
               <a:t>&gt; &lt;x-Header&gt;</a:t>
             </a:r>
           </a:p>
@@ -16654,15 +16589,15 @@
               </a:lnSpc>
             </a:pPr>
             <a:r>
-              <a:rPr lang="en-US" dirty="0" smtClean="0"/>
+              <a:rPr lang="en-US" dirty="0"/>
               <a:t>&lt;x-Header </a:t>
             </a:r>
             <a:r>
-              <a:rPr lang="en-US" dirty="0" err="1" smtClean="0"/>
+              <a:rPr lang="en-US" dirty="0" err="1"/>
               <a:t>someVariable</a:t>
             </a:r>
             <a:r>
-              <a:rPr lang="en-US" dirty="0" smtClean="0"/>
+              <a:rPr lang="en-US" dirty="0"/>
               <a:t>=“value”&gt;</a:t>
             </a:r>
           </a:p>
@@ -16717,10 +16652,9 @@
           <a:lstStyle/>
           <a:p>
             <a:r>
-              <a:rPr lang="en-US" b="1" dirty="0" smtClean="0"/>
+              <a:rPr lang="en-US" b="1" dirty="0"/>
               <a:t>Controllers</a:t>
             </a:r>
-            <a:endParaRPr lang="en-US" b="1" dirty="0"/>
           </a:p>
         </p:txBody>
       </p:sp>
@@ -16745,7 +16679,7 @@
               </a:lnSpc>
             </a:pPr>
             <a:r>
-              <a:rPr lang="en-US" dirty="0" smtClean="0"/>
+              <a:rPr lang="en-US" dirty="0"/>
               <a:t>Add a new controller add some functionality </a:t>
             </a:r>
           </a:p>
@@ -16756,7 +16690,7 @@
               </a:lnSpc>
             </a:pPr>
             <a:r>
-              <a:rPr lang="en-US" dirty="0" smtClean="0"/>
+              <a:rPr lang="en-US" dirty="0"/>
               <a:t>Handle parameters in controller</a:t>
             </a:r>
           </a:p>
@@ -16767,26 +16701,26 @@
               </a:lnSpc>
             </a:pPr>
             <a:r>
-              <a:rPr lang="en-US" dirty="0" err="1" smtClean="0"/>
+              <a:rPr lang="en-US" dirty="0" err="1"/>
               <a:t>php</a:t>
             </a:r>
             <a:r>
-              <a:rPr lang="en-US" dirty="0" smtClean="0"/>
+              <a:rPr lang="en-US" dirty="0"/>
               <a:t> artisan </a:t>
             </a:r>
             <a:r>
-              <a:rPr lang="en-US" dirty="0" err="1" smtClean="0"/>
+              <a:rPr lang="en-US" dirty="0" err="1"/>
               <a:t>make:controller</a:t>
             </a:r>
             <a:r>
-              <a:rPr lang="en-US" dirty="0" smtClean="0"/>
+              <a:rPr lang="en-US" dirty="0"/>
               <a:t> </a:t>
             </a:r>
             <a:r>
-              <a:rPr lang="en-US" dirty="0" err="1" smtClean="0"/>
+              <a:rPr lang="en-US" dirty="0" err="1"/>
               <a:t>newController</a:t>
             </a:r>
-            <a:endParaRPr lang="en-US" dirty="0" smtClean="0"/>
+            <a:endParaRPr lang="en-US" dirty="0"/>
           </a:p>
           <a:p>
             <a:endParaRPr lang="en-US" dirty="0"/>
@@ -16839,10 +16773,9 @@
           <a:lstStyle/>
           <a:p>
             <a:r>
-              <a:rPr lang="en-US" b="1" dirty="0" smtClean="0"/>
+              <a:rPr lang="en-US" b="1" dirty="0"/>
               <a:t>Views</a:t>
             </a:r>
-            <a:endParaRPr lang="en-US" b="1" dirty="0"/>
           </a:p>
         </p:txBody>
       </p:sp>
@@ -16867,7 +16800,7 @@
               </a:lnSpc>
             </a:pPr>
             <a:r>
-              <a:rPr lang="en-US" dirty="0" smtClean="0"/>
+              <a:rPr lang="en-US" dirty="0"/>
               <a:t>Create a view</a:t>
             </a:r>
           </a:p>
@@ -16878,7 +16811,7 @@
               </a:lnSpc>
             </a:pPr>
             <a:r>
-              <a:rPr lang="en-US" dirty="0" smtClean="0"/>
+              <a:rPr lang="en-US" dirty="0"/>
               <a:t>Pass data to view</a:t>
             </a:r>
           </a:p>
@@ -16889,12 +16822,36 @@
               </a:lnSpc>
             </a:pPr>
             <a:r>
-              <a:rPr lang="en-US" dirty="0" smtClean="0"/>
+              <a:rPr lang="en-US" dirty="0"/>
               <a:t>Call view from controller</a:t>
             </a:r>
           </a:p>
           <a:p>
-            <a:endParaRPr lang="en-US" dirty="0" smtClean="0"/>
+            <a:pPr>
+              <a:lnSpc>
+                <a:spcPct val="150000"/>
+              </a:lnSpc>
+            </a:pPr>
+            <a:r>
+              <a:rPr lang="en-US" dirty="0"/>
+              <a:t>php artisan </a:t>
+            </a:r>
+            <a:r>
+              <a:rPr lang="en-US" dirty="0" err="1"/>
+              <a:t>make:view</a:t>
+            </a:r>
+            <a:r>
+              <a:rPr lang="en-US" dirty="0"/>
+              <a:t> </a:t>
+            </a:r>
+            <a:r>
+              <a:rPr lang="en-US" dirty="0" err="1"/>
+              <a:t>MyView</a:t>
+            </a:r>
+            <a:endParaRPr lang="en-US" dirty="0"/>
+          </a:p>
+          <a:p>
+            <a:endParaRPr lang="en-US" dirty="0"/>
           </a:p>
           <a:p>
             <a:endParaRPr lang="en-US" dirty="0"/>
@@ -16947,10 +16904,9 @@
           <a:lstStyle/>
           <a:p>
             <a:r>
-              <a:rPr lang="en-US" b="1" dirty="0" smtClean="0"/>
+              <a:rPr lang="en-US" b="1" dirty="0"/>
               <a:t>URL</a:t>
             </a:r>
-            <a:endParaRPr lang="en-US" b="1" dirty="0"/>
           </a:p>
         </p:txBody>
       </p:sp>
@@ -16977,54 +16933,54 @@
           <a:lstStyle/>
           <a:p>
             <a:r>
-              <a:rPr lang="en-US" dirty="0" smtClean="0"/>
+              <a:rPr lang="en-US" dirty="0"/>
               <a:t>What are the </a:t>
             </a:r>
             <a:r>
-              <a:rPr lang="en-US" dirty="0" err="1" smtClean="0"/>
+              <a:rPr lang="en-US" dirty="0" err="1"/>
               <a:t>url’s</a:t>
             </a:r>
             <a:r>
-              <a:rPr lang="en-US" dirty="0" smtClean="0"/>
+              <a:rPr lang="en-US" dirty="0"/>
               <a:t> and how it works</a:t>
             </a:r>
           </a:p>
           <a:p>
             <a:r>
-              <a:rPr lang="en-US" dirty="0" smtClean="0"/>
+              <a:rPr lang="en-US" dirty="0"/>
               <a:t>Current URL</a:t>
             </a:r>
           </a:p>
           <a:p>
             <a:pPr lvl="1"/>
             <a:r>
-              <a:rPr lang="en-US" dirty="0" smtClean="0"/>
+              <a:rPr lang="en-US" dirty="0"/>
               <a:t>URL::current()</a:t>
             </a:r>
           </a:p>
           <a:p>
             <a:r>
-              <a:rPr lang="en-US" dirty="0" smtClean="0"/>
+              <a:rPr lang="en-US" dirty="0"/>
               <a:t>Full URL</a:t>
             </a:r>
           </a:p>
           <a:p>
             <a:pPr lvl="1"/>
             <a:r>
-              <a:rPr lang="en-US" dirty="0" smtClean="0"/>
+              <a:rPr lang="en-US" dirty="0"/>
               <a:t>URL::full()</a:t>
             </a:r>
           </a:p>
           <a:p>
             <a:r>
-              <a:rPr lang="en-US" dirty="0" smtClean="0"/>
+              <a:rPr lang="en-US" dirty="0"/>
               <a:t>Next Page URL</a:t>
             </a:r>
           </a:p>
           <a:p>
             <a:pPr lvl="1"/>
             <a:r>
-              <a:rPr lang="en-US" dirty="0" smtClean="0">
+              <a:rPr lang="en-US" dirty="0">
                 <a:hlinkClick r:id="rId2" action="ppaction://hlinkfile"/>
               </a:rPr>
               <a:t>URL::to(‘link’)</a:t>
@@ -17033,21 +16989,20 @@
           </a:p>
           <a:p>
             <a:r>
-              <a:rPr lang="en-US" dirty="0" smtClean="0"/>
+              <a:rPr lang="en-US" dirty="0"/>
               <a:t>Previous Page URL</a:t>
             </a:r>
           </a:p>
           <a:p>
             <a:pPr lvl="1"/>
             <a:r>
-              <a:rPr lang="en-US" dirty="0" smtClean="0"/>
+              <a:rPr lang="en-US" dirty="0"/>
               <a:t>URL::previous()</a:t>
             </a:r>
+          </a:p>
+          <a:p>
+            <a:pPr lvl="1"/>
             <a:endParaRPr lang="en-US" dirty="0"/>
-          </a:p>
-          <a:p>
-            <a:pPr lvl="1"/>
-            <a:endParaRPr lang="en-US" dirty="0" smtClean="0"/>
           </a:p>
           <a:p>
             <a:endParaRPr lang="en-US" dirty="0"/>
